--- a/2019/1月/10-01-2019.pptx
+++ b/2019/1月/10-01-2019.pptx
@@ -5,15 +5,14 @@
     <p:sldMasterId id="2147483660" r:id="rId1"/>
   </p:sldMasterIdLst>
   <p:sldIdLst>
-    <p:sldId id="257" r:id="rId2"/>
-    <p:sldId id="258" r:id="rId3"/>
-    <p:sldId id="259" r:id="rId4"/>
-    <p:sldId id="260" r:id="rId5"/>
-    <p:sldId id="261" r:id="rId6"/>
-    <p:sldId id="262" r:id="rId7"/>
-    <p:sldId id="263" r:id="rId8"/>
-    <p:sldId id="264" r:id="rId9"/>
-    <p:sldId id="265" r:id="rId10"/>
+    <p:sldId id="267" r:id="rId2"/>
+    <p:sldId id="268" r:id="rId3"/>
+    <p:sldId id="269" r:id="rId4"/>
+    <p:sldId id="270" r:id="rId5"/>
+    <p:sldId id="257" r:id="rId6"/>
+    <p:sldId id="258" r:id="rId7"/>
+    <p:sldId id="259" r:id="rId8"/>
+    <p:sldId id="260" r:id="rId9"/>
   </p:sldIdLst>
   <p:sldSz cx="9144000" cy="6858000" type="screen4x3"/>
   <p:notesSz cx="6858000" cy="9144000"/>
@@ -296,6 +295,7 @@
           <a:p>
             <a:fld id="{6D7D620A-7967-4BBB-A22E-C8B63F1148AA}" type="datetimeFigureOut">
               <a:rPr lang="en-US" smtClean="0"/>
+              <a:pPr/>
               <a:t>1/8/2019</a:t>
             </a:fld>
             <a:endParaRPr lang="en-US"/>
@@ -338,6 +338,7 @@
           <a:p>
             <a:fld id="{949BFFF4-8FA6-4301-BA1F-E0D29DF7E0AD}" type="slidenum">
               <a:rPr lang="en-US" smtClean="0"/>
+              <a:pPr/>
               <a:t>‹#›</a:t>
             </a:fld>
             <a:endParaRPr lang="en-US"/>
@@ -461,6 +462,7 @@
           <a:p>
             <a:fld id="{6D7D620A-7967-4BBB-A22E-C8B63F1148AA}" type="datetimeFigureOut">
               <a:rPr lang="en-US" smtClean="0"/>
+              <a:pPr/>
               <a:t>1/8/2019</a:t>
             </a:fld>
             <a:endParaRPr lang="en-US"/>
@@ -503,6 +505,7 @@
           <a:p>
             <a:fld id="{949BFFF4-8FA6-4301-BA1F-E0D29DF7E0AD}" type="slidenum">
               <a:rPr lang="en-US" smtClean="0"/>
+              <a:pPr/>
               <a:t>‹#›</a:t>
             </a:fld>
             <a:endParaRPr lang="en-US"/>
@@ -636,6 +639,7 @@
           <a:p>
             <a:fld id="{6D7D620A-7967-4BBB-A22E-C8B63F1148AA}" type="datetimeFigureOut">
               <a:rPr lang="en-US" smtClean="0"/>
+              <a:pPr/>
               <a:t>1/8/2019</a:t>
             </a:fld>
             <a:endParaRPr lang="en-US"/>
@@ -678,6 +682,7 @@
           <a:p>
             <a:fld id="{949BFFF4-8FA6-4301-BA1F-E0D29DF7E0AD}" type="slidenum">
               <a:rPr lang="en-US" smtClean="0"/>
+              <a:pPr/>
               <a:t>‹#›</a:t>
             </a:fld>
             <a:endParaRPr lang="en-US"/>
@@ -801,6 +806,7 @@
           <a:p>
             <a:fld id="{6D7D620A-7967-4BBB-A22E-C8B63F1148AA}" type="datetimeFigureOut">
               <a:rPr lang="en-US" smtClean="0"/>
+              <a:pPr/>
               <a:t>1/8/2019</a:t>
             </a:fld>
             <a:endParaRPr lang="en-US"/>
@@ -843,6 +849,7 @@
           <a:p>
             <a:fld id="{949BFFF4-8FA6-4301-BA1F-E0D29DF7E0AD}" type="slidenum">
               <a:rPr lang="en-US" smtClean="0"/>
+              <a:pPr/>
               <a:t>‹#›</a:t>
             </a:fld>
             <a:endParaRPr lang="en-US"/>
@@ -1042,6 +1049,7 @@
           <a:p>
             <a:fld id="{6D7D620A-7967-4BBB-A22E-C8B63F1148AA}" type="datetimeFigureOut">
               <a:rPr lang="en-US" smtClean="0"/>
+              <a:pPr/>
               <a:t>1/8/2019</a:t>
             </a:fld>
             <a:endParaRPr lang="en-US"/>
@@ -1084,6 +1092,7 @@
           <a:p>
             <a:fld id="{949BFFF4-8FA6-4301-BA1F-E0D29DF7E0AD}" type="slidenum">
               <a:rPr lang="en-US" smtClean="0"/>
+              <a:pPr/>
               <a:t>‹#›</a:t>
             </a:fld>
             <a:endParaRPr lang="en-US"/>
@@ -1325,6 +1334,7 @@
           <a:p>
             <a:fld id="{6D7D620A-7967-4BBB-A22E-C8B63F1148AA}" type="datetimeFigureOut">
               <a:rPr lang="en-US" smtClean="0"/>
+              <a:pPr/>
               <a:t>1/8/2019</a:t>
             </a:fld>
             <a:endParaRPr lang="en-US"/>
@@ -1367,6 +1377,7 @@
           <a:p>
             <a:fld id="{949BFFF4-8FA6-4301-BA1F-E0D29DF7E0AD}" type="slidenum">
               <a:rPr lang="en-US" smtClean="0"/>
+              <a:pPr/>
               <a:t>‹#›</a:t>
             </a:fld>
             <a:endParaRPr lang="en-US"/>
@@ -1742,6 +1753,7 @@
           <a:p>
             <a:fld id="{6D7D620A-7967-4BBB-A22E-C8B63F1148AA}" type="datetimeFigureOut">
               <a:rPr lang="en-US" smtClean="0"/>
+              <a:pPr/>
               <a:t>1/8/2019</a:t>
             </a:fld>
             <a:endParaRPr lang="en-US"/>
@@ -1784,6 +1796,7 @@
           <a:p>
             <a:fld id="{949BFFF4-8FA6-4301-BA1F-E0D29DF7E0AD}" type="slidenum">
               <a:rPr lang="en-US" smtClean="0"/>
+              <a:pPr/>
               <a:t>‹#›</a:t>
             </a:fld>
             <a:endParaRPr lang="en-US"/>
@@ -1855,6 +1868,7 @@
           <a:p>
             <a:fld id="{6D7D620A-7967-4BBB-A22E-C8B63F1148AA}" type="datetimeFigureOut">
               <a:rPr lang="en-US" smtClean="0"/>
+              <a:pPr/>
               <a:t>1/8/2019</a:t>
             </a:fld>
             <a:endParaRPr lang="en-US"/>
@@ -1897,6 +1911,7 @@
           <a:p>
             <a:fld id="{949BFFF4-8FA6-4301-BA1F-E0D29DF7E0AD}" type="slidenum">
               <a:rPr lang="en-US" smtClean="0"/>
+              <a:pPr/>
               <a:t>‹#›</a:t>
             </a:fld>
             <a:endParaRPr lang="en-US"/>
@@ -1945,6 +1960,7 @@
           <a:p>
             <a:fld id="{6D7D620A-7967-4BBB-A22E-C8B63F1148AA}" type="datetimeFigureOut">
               <a:rPr lang="en-US" smtClean="0"/>
+              <a:pPr/>
               <a:t>1/8/2019</a:t>
             </a:fld>
             <a:endParaRPr lang="en-US"/>
@@ -1987,6 +2003,7 @@
           <a:p>
             <a:fld id="{949BFFF4-8FA6-4301-BA1F-E0D29DF7E0AD}" type="slidenum">
               <a:rPr lang="en-US" smtClean="0"/>
+              <a:pPr/>
               <a:t>‹#›</a:t>
             </a:fld>
             <a:endParaRPr lang="en-US"/>
@@ -2217,6 +2234,7 @@
           <a:p>
             <a:fld id="{6D7D620A-7967-4BBB-A22E-C8B63F1148AA}" type="datetimeFigureOut">
               <a:rPr lang="en-US" smtClean="0"/>
+              <a:pPr/>
               <a:t>1/8/2019</a:t>
             </a:fld>
             <a:endParaRPr lang="en-US"/>
@@ -2259,6 +2277,7 @@
           <a:p>
             <a:fld id="{949BFFF4-8FA6-4301-BA1F-E0D29DF7E0AD}" type="slidenum">
               <a:rPr lang="en-US" smtClean="0"/>
+              <a:pPr/>
               <a:t>‹#›</a:t>
             </a:fld>
             <a:endParaRPr lang="en-US"/>
@@ -2469,6 +2488,7 @@
           <a:p>
             <a:fld id="{6D7D620A-7967-4BBB-A22E-C8B63F1148AA}" type="datetimeFigureOut">
               <a:rPr lang="en-US" smtClean="0"/>
+              <a:pPr/>
               <a:t>1/8/2019</a:t>
             </a:fld>
             <a:endParaRPr lang="en-US"/>
@@ -2511,6 +2531,7 @@
           <a:p>
             <a:fld id="{949BFFF4-8FA6-4301-BA1F-E0D29DF7E0AD}" type="slidenum">
               <a:rPr lang="en-US" smtClean="0"/>
+              <a:pPr/>
               <a:t>‹#›</a:t>
             </a:fld>
             <a:endParaRPr lang="en-US"/>
@@ -2682,6 +2703,7 @@
           <a:p>
             <a:fld id="{6D7D620A-7967-4BBB-A22E-C8B63F1148AA}" type="datetimeFigureOut">
               <a:rPr lang="en-US" smtClean="0"/>
+              <a:pPr/>
               <a:t>1/8/2019</a:t>
             </a:fld>
             <a:endParaRPr lang="en-US"/>
@@ -2760,6 +2782,7 @@
           <a:p>
             <a:fld id="{949BFFF4-8FA6-4301-BA1F-E0D29DF7E0AD}" type="slidenum">
               <a:rPr lang="en-US" smtClean="0"/>
+              <a:pPr/>
               <a:t>‹#›</a:t>
             </a:fld>
             <a:endParaRPr lang="en-US"/>
@@ -3054,7 +3077,7 @@
       </p:grpSpPr>
       <p:sp>
         <p:nvSpPr>
-          <p:cNvPr id="2" name="Title 1"/>
+          <p:cNvPr id="2" name="標題 1"/>
           <p:cNvSpPr>
             <a:spLocks noGrp="1"/>
           </p:cNvSpPr>
@@ -3068,28 +3091,28 @@
           <a:lstStyle/>
           <a:p>
             <a:r>
-              <a:rPr lang="zh-CN" altLang="en-US" b="1" dirty="0">
-                <a:solidFill>
-                  <a:srgbClr val="002060"/>
-                </a:solidFill>
-                <a:latin typeface="Microsoft JhengHei" pitchFamily="34" charset="-120"/>
-                <a:ea typeface="Microsoft JhengHei" pitchFamily="34" charset="-120"/>
-              </a:rPr>
-              <a:t>誰曾應許</a:t>
-            </a:r>
-            <a:endParaRPr lang="en-US" b="1" dirty="0">
+              <a:rPr lang="zh-CN" altLang="en-US" b="1" dirty="0" smtClean="0">
+                <a:solidFill>
+                  <a:srgbClr val="000066"/>
+                </a:solidFill>
+                <a:latin typeface="微軟正黑體" pitchFamily="34" charset="-120"/>
+                <a:ea typeface="微軟正黑體" pitchFamily="34" charset="-120"/>
+              </a:rPr>
+              <a:t>獻上頌讚</a:t>
+            </a:r>
+            <a:endParaRPr lang="zh-TW" altLang="en-US" b="1" dirty="0">
               <a:solidFill>
-                <a:srgbClr val="002060"/>
+                <a:srgbClr val="000066"/>
               </a:solidFill>
-              <a:latin typeface="Microsoft JhengHei" pitchFamily="34" charset="-120"/>
-              <a:ea typeface="Microsoft JhengHei" pitchFamily="34" charset="-120"/>
+              <a:latin typeface="微軟正黑體" pitchFamily="34" charset="-120"/>
+              <a:ea typeface="微軟正黑體" pitchFamily="34" charset="-120"/>
             </a:endParaRPr>
           </a:p>
         </p:txBody>
       </p:sp>
       <p:sp>
         <p:nvSpPr>
-          <p:cNvPr id="3" name="Content Placeholder 2"/>
+          <p:cNvPr id="3" name="內容版面配置區 2"/>
           <p:cNvSpPr>
             <a:spLocks noGrp="1"/>
           </p:cNvSpPr>
@@ -3097,247 +3120,114 @@
             <p:ph idx="1"/>
           </p:nvPr>
         </p:nvSpPr>
-        <p:spPr>
-          <a:xfrm>
-            <a:off x="0" y="1600200"/>
-            <a:ext cx="9144000" cy="4525963"/>
-          </a:xfrm>
-        </p:spPr>
+        <p:spPr/>
         <p:txBody>
           <a:bodyPr>
-            <a:noAutofit/>
+            <a:normAutofit/>
           </a:bodyPr>
           <a:lstStyle/>
           <a:p>
-            <a:pPr marL="0" indent="0" algn="ctr">
+            <a:pPr algn="ctr">
               <a:buNone/>
             </a:pPr>
             <a:r>
-              <a:rPr lang="zh-TW" altLang="en-US" sz="5400" b="1" dirty="0">
-                <a:solidFill>
-                  <a:srgbClr val="002060"/>
-                </a:solidFill>
-                <a:latin typeface="Microsoft JhengHei" pitchFamily="34" charset="-120"/>
-                <a:ea typeface="Microsoft JhengHei" pitchFamily="34" charset="-120"/>
-              </a:rPr>
-              <a:t>誰曾應</a:t>
-            </a:r>
-            <a:r>
               <a:rPr lang="zh-TW" altLang="en-US" sz="5400" b="1" dirty="0" smtClean="0">
                 <a:solidFill>
-                  <a:srgbClr val="002060"/>
-                </a:solidFill>
-                <a:latin typeface="Microsoft JhengHei" pitchFamily="34" charset="-120"/>
-                <a:ea typeface="Microsoft JhengHei" pitchFamily="34" charset="-120"/>
-              </a:rPr>
-              <a:t>許   一</a:t>
-            </a:r>
-            <a:r>
-              <a:rPr lang="zh-TW" altLang="en-US" sz="5400" b="1" dirty="0">
-                <a:solidFill>
-                  <a:srgbClr val="002060"/>
-                </a:solidFill>
-                <a:latin typeface="Microsoft JhengHei" pitchFamily="34" charset="-120"/>
-                <a:ea typeface="Microsoft JhengHei" pitchFamily="34" charset="-120"/>
-              </a:rPr>
-              <a:t>生不撇下</a:t>
-            </a:r>
-            <a:r>
-              <a:rPr lang="zh-TW" altLang="en-US" sz="5400" b="1" dirty="0" smtClean="0">
-                <a:solidFill>
-                  <a:srgbClr val="002060"/>
-                </a:solidFill>
-                <a:latin typeface="Microsoft JhengHei" pitchFamily="34" charset="-120"/>
-                <a:ea typeface="Microsoft JhengHei" pitchFamily="34" charset="-120"/>
-              </a:rPr>
-              <a:t>我</a:t>
+                  <a:srgbClr val="000066"/>
+                </a:solidFill>
+                <a:latin typeface="微軟正黑體" pitchFamily="34" charset="-120"/>
+                <a:ea typeface="微軟正黑體" pitchFamily="34" charset="-120"/>
+              </a:rPr>
+              <a:t>在世間  萬有中</a:t>
             </a:r>
             <a:endParaRPr lang="en-US" altLang="zh-TW" sz="5400" b="1" dirty="0" smtClean="0">
               <a:solidFill>
-                <a:srgbClr val="002060"/>
+                <a:srgbClr val="000066"/>
               </a:solidFill>
-              <a:latin typeface="Microsoft JhengHei" pitchFamily="34" charset="-120"/>
-              <a:ea typeface="Microsoft JhengHei" pitchFamily="34" charset="-120"/>
+              <a:latin typeface="微軟正黑體" pitchFamily="34" charset="-120"/>
+              <a:ea typeface="微軟正黑體" pitchFamily="34" charset="-120"/>
             </a:endParaRPr>
           </a:p>
           <a:p>
-            <a:pPr marL="0" indent="0" algn="ctr">
+            <a:pPr algn="ctr">
               <a:buNone/>
             </a:pPr>
             <a:r>
               <a:rPr lang="zh-TW" altLang="en-US" sz="5400" b="1" dirty="0" smtClean="0">
                 <a:solidFill>
-                  <a:srgbClr val="002060"/>
-                </a:solidFill>
-                <a:latin typeface="Microsoft JhengHei" pitchFamily="34" charset="-120"/>
-                <a:ea typeface="Microsoft JhengHei" pitchFamily="34" charset="-120"/>
-              </a:rPr>
-              <a:t>每</a:t>
-            </a:r>
-            <a:r>
-              <a:rPr lang="zh-TW" altLang="en-US" sz="5400" b="1" dirty="0">
-                <a:solidFill>
-                  <a:srgbClr val="002060"/>
-                </a:solidFill>
-                <a:latin typeface="Microsoft JhengHei" pitchFamily="34" charset="-120"/>
-                <a:ea typeface="Microsoft JhengHei" pitchFamily="34" charset="-120"/>
-              </a:rPr>
-              <a:t>段</a:t>
-            </a:r>
-            <a:r>
-              <a:rPr lang="zh-TW" altLang="en-US" sz="5400" b="1" dirty="0" smtClean="0">
-                <a:solidFill>
-                  <a:srgbClr val="002060"/>
-                </a:solidFill>
-                <a:latin typeface="Microsoft JhengHei" pitchFamily="34" charset="-120"/>
-                <a:ea typeface="Microsoft JhengHei" pitchFamily="34" charset="-120"/>
-              </a:rPr>
-              <a:t>窄路   誰</a:t>
-            </a:r>
-            <a:r>
-              <a:rPr lang="zh-TW" altLang="en-US" sz="5400" b="1" dirty="0">
-                <a:solidFill>
-                  <a:srgbClr val="002060"/>
-                </a:solidFill>
-                <a:latin typeface="Microsoft JhengHei" pitchFamily="34" charset="-120"/>
-                <a:ea typeface="Microsoft JhengHei" pitchFamily="34" charset="-120"/>
-              </a:rPr>
-              <a:t>陪我去走</a:t>
-            </a:r>
-            <a:r>
-              <a:rPr lang="zh-TW" altLang="en-US" sz="5400" b="1" dirty="0" smtClean="0">
-                <a:solidFill>
-                  <a:srgbClr val="002060"/>
-                </a:solidFill>
-                <a:latin typeface="Microsoft JhengHei" pitchFamily="34" charset="-120"/>
-                <a:ea typeface="Microsoft JhengHei" pitchFamily="34" charset="-120"/>
-              </a:rPr>
-              <a:t>過</a:t>
+                  <a:srgbClr val="000066"/>
+                </a:solidFill>
+                <a:latin typeface="微軟正黑體" pitchFamily="34" charset="-120"/>
+                <a:ea typeface="微軟正黑體" pitchFamily="34" charset="-120"/>
+              </a:rPr>
+              <a:t>哪會有仿似耶穌</a:t>
             </a:r>
             <a:endParaRPr lang="en-US" altLang="zh-TW" sz="5400" b="1" dirty="0">
               <a:solidFill>
-                <a:srgbClr val="002060"/>
+                <a:srgbClr val="000066"/>
               </a:solidFill>
-              <a:latin typeface="Microsoft JhengHei" pitchFamily="34" charset="-120"/>
-              <a:ea typeface="Microsoft JhengHei" pitchFamily="34" charset="-120"/>
+              <a:latin typeface="微軟正黑體" pitchFamily="34" charset="-120"/>
+              <a:ea typeface="微軟正黑體" pitchFamily="34" charset="-120"/>
             </a:endParaRPr>
           </a:p>
           <a:p>
-            <a:pPr marL="0" indent="0" algn="ctr">
+            <a:pPr algn="ctr">
               <a:buNone/>
             </a:pPr>
             <a:r>
               <a:rPr lang="zh-TW" altLang="en-US" sz="5400" b="1" dirty="0" smtClean="0">
                 <a:solidFill>
-                  <a:srgbClr val="002060"/>
-                </a:solidFill>
-                <a:latin typeface="Microsoft JhengHei" pitchFamily="34" charset="-120"/>
-                <a:ea typeface="Microsoft JhengHei" pitchFamily="34" charset="-120"/>
-              </a:rPr>
-              <a:t>誰</a:t>
-            </a:r>
-            <a:r>
-              <a:rPr lang="zh-TW" altLang="en-US" sz="5400" b="1" dirty="0">
-                <a:solidFill>
-                  <a:srgbClr val="002060"/>
-                </a:solidFill>
-                <a:latin typeface="Microsoft JhengHei" pitchFamily="34" charset="-120"/>
-                <a:ea typeface="Microsoft JhengHei" pitchFamily="34" charset="-120"/>
-              </a:rPr>
-              <a:t>還領</a:t>
-            </a:r>
-            <a:r>
-              <a:rPr lang="zh-TW" altLang="en-US" sz="5400" b="1" dirty="0" smtClean="0">
-                <a:solidFill>
-                  <a:srgbClr val="002060"/>
-                </a:solidFill>
-                <a:latin typeface="Microsoft JhengHei" pitchFamily="34" charset="-120"/>
-                <a:ea typeface="Microsoft JhengHei" pitchFamily="34" charset="-120"/>
-              </a:rPr>
-              <a:t>我   於</a:t>
-            </a:r>
-            <a:r>
-              <a:rPr lang="zh-TW" altLang="en-US" sz="5400" b="1" dirty="0">
-                <a:solidFill>
-                  <a:srgbClr val="002060"/>
-                </a:solidFill>
-                <a:latin typeface="Microsoft JhengHei" pitchFamily="34" charset="-120"/>
-                <a:ea typeface="Microsoft JhengHei" pitchFamily="34" charset="-120"/>
-              </a:rPr>
-              <a:t>青草恬靜處躺</a:t>
-            </a:r>
-            <a:r>
-              <a:rPr lang="zh-TW" altLang="en-US" sz="5400" b="1" dirty="0" smtClean="0">
-                <a:solidFill>
-                  <a:srgbClr val="002060"/>
-                </a:solidFill>
-                <a:latin typeface="Microsoft JhengHei" pitchFamily="34" charset="-120"/>
-                <a:ea typeface="Microsoft JhengHei" pitchFamily="34" charset="-120"/>
-              </a:rPr>
-              <a:t>臥</a:t>
+                  <a:srgbClr val="000066"/>
+                </a:solidFill>
+                <a:latin typeface="微軟正黑體" pitchFamily="34" charset="-120"/>
+                <a:ea typeface="微軟正黑體" pitchFamily="34" charset="-120"/>
+              </a:rPr>
+              <a:t>我願頌揚  竭力頌揚</a:t>
             </a:r>
             <a:endParaRPr lang="en-US" altLang="zh-TW" sz="5400" b="1" dirty="0" smtClean="0">
               <a:solidFill>
-                <a:srgbClr val="002060"/>
+                <a:srgbClr val="000066"/>
               </a:solidFill>
-              <a:latin typeface="Microsoft JhengHei" pitchFamily="34" charset="-120"/>
-              <a:ea typeface="Microsoft JhengHei" pitchFamily="34" charset="-120"/>
+              <a:latin typeface="微軟正黑體" pitchFamily="34" charset="-120"/>
+              <a:ea typeface="微軟正黑體" pitchFamily="34" charset="-120"/>
             </a:endParaRPr>
           </a:p>
           <a:p>
-            <a:pPr marL="0" indent="0" algn="ctr">
+            <a:pPr algn="ctr">
               <a:buNone/>
             </a:pPr>
             <a:r>
               <a:rPr lang="zh-TW" altLang="en-US" sz="5400" b="1" dirty="0" smtClean="0">
                 <a:solidFill>
-                  <a:srgbClr val="002060"/>
-                </a:solidFill>
-                <a:latin typeface="Microsoft JhengHei" pitchFamily="34" charset="-120"/>
-                <a:ea typeface="Microsoft JhengHei" pitchFamily="34" charset="-120"/>
-              </a:rPr>
-              <a:t>豐</a:t>
-            </a:r>
-            <a:r>
-              <a:rPr lang="zh-TW" altLang="en-US" sz="5400" b="1" dirty="0">
-                <a:solidFill>
-                  <a:srgbClr val="002060"/>
-                </a:solidFill>
-                <a:latin typeface="Microsoft JhengHei" pitchFamily="34" charset="-120"/>
-                <a:ea typeface="Microsoft JhengHei" pitchFamily="34" charset="-120"/>
-              </a:rPr>
-              <a:t>足恩惠比海沙更</a:t>
-            </a:r>
-            <a:r>
-              <a:rPr lang="zh-TW" altLang="en-US" sz="5400" b="1" dirty="0" smtClean="0">
-                <a:solidFill>
-                  <a:srgbClr val="002060"/>
-                </a:solidFill>
-                <a:latin typeface="Microsoft JhengHei" pitchFamily="34" charset="-120"/>
-                <a:ea typeface="Microsoft JhengHei" pitchFamily="34" charset="-120"/>
-              </a:rPr>
-              <a:t>多</a:t>
-            </a:r>
-            <a:endParaRPr lang="en-US" sz="5400" b="1" dirty="0">
+                  <a:srgbClr val="000066"/>
+                </a:solidFill>
+                <a:latin typeface="微軟正黑體" pitchFamily="34" charset="-120"/>
+                <a:ea typeface="微軟正黑體" pitchFamily="34" charset="-120"/>
+              </a:rPr>
+              <a:t>主愛是奇妙浩大</a:t>
+            </a:r>
+            <a:endParaRPr lang="zh-TW" altLang="en-US" sz="5400" b="1" dirty="0">
               <a:solidFill>
-                <a:srgbClr val="002060"/>
+                <a:srgbClr val="000066"/>
               </a:solidFill>
-              <a:latin typeface="Microsoft JhengHei" pitchFamily="34" charset="-120"/>
-              <a:ea typeface="Microsoft JhengHei" pitchFamily="34" charset="-120"/>
+              <a:latin typeface="微軟正黑體" pitchFamily="34" charset="-120"/>
+              <a:ea typeface="微軟正黑體" pitchFamily="34" charset="-120"/>
             </a:endParaRPr>
           </a:p>
         </p:txBody>
       </p:sp>
     </p:spTree>
-    <p:extLst>
-      <p:ext uri="{BB962C8B-B14F-4D97-AF65-F5344CB8AC3E}">
-        <p14:creationId xmlns:p14="http://schemas.microsoft.com/office/powerpoint/2010/main" val="1107474778"/>
-      </p:ext>
-    </p:extLst>
   </p:cSld>
   <p:clrMapOvr>
     <a:masterClrMapping/>
   </p:clrMapOvr>
+  <p:timing>
+    <p:tnLst>
+      <p:par>
+        <p:cTn id="1" dur="indefinite" restart="never" nodeType="tmRoot"/>
+      </p:par>
+    </p:tnLst>
+  </p:timing>
 </p:sld>
 </file>
 
@@ -3360,7 +3250,7 @@
       </p:grpSpPr>
       <p:sp>
         <p:nvSpPr>
-          <p:cNvPr id="2" name="Title 1"/>
+          <p:cNvPr id="2" name="標題 1"/>
           <p:cNvSpPr>
             <a:spLocks noGrp="1"/>
           </p:cNvSpPr>
@@ -3374,28 +3264,28 @@
           <a:lstStyle/>
           <a:p>
             <a:r>
-              <a:rPr lang="zh-CN" altLang="en-US" b="1" dirty="0">
-                <a:solidFill>
-                  <a:srgbClr val="002060"/>
-                </a:solidFill>
-                <a:latin typeface="Microsoft JhengHei" pitchFamily="34" charset="-120"/>
-                <a:ea typeface="Microsoft JhengHei" pitchFamily="34" charset="-120"/>
-              </a:rPr>
-              <a:t>誰曾應許</a:t>
-            </a:r>
-            <a:endParaRPr lang="en-US" b="1" dirty="0">
+              <a:rPr lang="zh-CN" altLang="en-US" b="1" dirty="0" smtClean="0">
+                <a:solidFill>
+                  <a:srgbClr val="000066"/>
+                </a:solidFill>
+                <a:latin typeface="微軟正黑體" pitchFamily="34" charset="-120"/>
+                <a:ea typeface="微軟正黑體" pitchFamily="34" charset="-120"/>
+              </a:rPr>
+              <a:t>獻上頌讚</a:t>
+            </a:r>
+            <a:endParaRPr lang="zh-TW" altLang="en-US" b="1" dirty="0">
               <a:solidFill>
-                <a:srgbClr val="002060"/>
+                <a:srgbClr val="000066"/>
               </a:solidFill>
-              <a:latin typeface="Microsoft JhengHei" pitchFamily="34" charset="-120"/>
-              <a:ea typeface="Microsoft JhengHei" pitchFamily="34" charset="-120"/>
+              <a:latin typeface="微軟正黑體" pitchFamily="34" charset="-120"/>
+              <a:ea typeface="微軟正黑體" pitchFamily="34" charset="-120"/>
             </a:endParaRPr>
           </a:p>
         </p:txBody>
       </p:sp>
       <p:sp>
         <p:nvSpPr>
-          <p:cNvPr id="3" name="Content Placeholder 2"/>
+          <p:cNvPr id="3" name="內容版面配置區 2"/>
           <p:cNvSpPr>
             <a:spLocks noGrp="1"/>
           </p:cNvSpPr>
@@ -3403,117 +3293,114 @@
             <p:ph idx="1"/>
           </p:nvPr>
         </p:nvSpPr>
-        <p:spPr>
-          <a:xfrm>
-            <a:off x="0" y="1600200"/>
-            <a:ext cx="9144000" cy="4525963"/>
-          </a:xfrm>
-        </p:spPr>
+        <p:spPr/>
         <p:txBody>
           <a:bodyPr>
-            <a:noAutofit/>
+            <a:normAutofit/>
           </a:bodyPr>
           <a:lstStyle/>
           <a:p>
-            <a:pPr marL="0" indent="0" algn="ctr">
+            <a:pPr algn="ctr">
               <a:buNone/>
             </a:pPr>
             <a:r>
-              <a:rPr lang="zh-TW" altLang="en-US" sz="5400" b="1" dirty="0">
-                <a:solidFill>
-                  <a:srgbClr val="002060"/>
-                </a:solidFill>
-                <a:latin typeface="Microsoft JhengHei" pitchFamily="34" charset="-120"/>
-                <a:ea typeface="Microsoft JhengHei" pitchFamily="34" charset="-120"/>
-              </a:rPr>
-              <a:t>誰曾應許   天天看顧著我</a:t>
-            </a:r>
-            <a:endParaRPr lang="en-US" altLang="zh-TW" sz="5400" b="1" dirty="0">
+              <a:rPr lang="zh-TW" altLang="en-US" sz="5400" b="1" dirty="0" smtClean="0">
+                <a:solidFill>
+                  <a:srgbClr val="000066"/>
+                </a:solidFill>
+                <a:latin typeface="微軟正黑體" pitchFamily="34" charset="-120"/>
+                <a:ea typeface="微軟正黑體" pitchFamily="34" charset="-120"/>
+              </a:rPr>
+              <a:t>是我主  是救主</a:t>
+            </a:r>
+            <a:endParaRPr lang="en-US" altLang="zh-TW" sz="5400" b="1" dirty="0" smtClean="0">
               <a:solidFill>
-                <a:srgbClr val="002060"/>
+                <a:srgbClr val="000066"/>
               </a:solidFill>
-              <a:latin typeface="Microsoft JhengHei" pitchFamily="34" charset="-120"/>
-              <a:ea typeface="Microsoft JhengHei" pitchFamily="34" charset="-120"/>
+              <a:latin typeface="微軟正黑體" pitchFamily="34" charset="-120"/>
+              <a:ea typeface="微軟正黑體" pitchFamily="34" charset="-120"/>
             </a:endParaRPr>
           </a:p>
           <a:p>
-            <a:pPr marL="0" indent="0" algn="ctr">
+            <a:pPr algn="ctr">
               <a:buNone/>
             </a:pPr>
             <a:r>
-              <a:rPr lang="zh-TW" altLang="en-US" sz="5400" b="1" dirty="0">
-                <a:solidFill>
-                  <a:srgbClr val="002060"/>
-                </a:solidFill>
-                <a:latin typeface="Microsoft JhengHei" pitchFamily="34" charset="-120"/>
-                <a:ea typeface="Microsoft JhengHei" pitchFamily="34" charset="-120"/>
-              </a:rPr>
-              <a:t>晝夜眷佑   連頭髮也數過</a:t>
-            </a:r>
-            <a:endParaRPr lang="en-US" altLang="zh-TW" sz="5400" b="1" dirty="0">
+              <a:rPr lang="zh-TW" altLang="en-US" sz="5400" b="1" dirty="0" smtClean="0">
+                <a:solidFill>
+                  <a:srgbClr val="000066"/>
+                </a:solidFill>
+                <a:latin typeface="微軟正黑體" pitchFamily="34" charset="-120"/>
+                <a:ea typeface="微軟正黑體" pitchFamily="34" charset="-120"/>
+              </a:rPr>
+              <a:t>作我安穩庇護所</a:t>
+            </a:r>
+            <a:endParaRPr lang="en-US" altLang="zh-TW" sz="5400" b="1" dirty="0" smtClean="0">
               <a:solidFill>
-                <a:srgbClr val="002060"/>
+                <a:srgbClr val="000066"/>
               </a:solidFill>
-              <a:latin typeface="Microsoft JhengHei" pitchFamily="34" charset="-120"/>
-              <a:ea typeface="Microsoft JhengHei" pitchFamily="34" charset="-120"/>
+              <a:latin typeface="微軟正黑體" pitchFamily="34" charset="-120"/>
+              <a:ea typeface="微軟正黑體" pitchFamily="34" charset="-120"/>
             </a:endParaRPr>
           </a:p>
           <a:p>
-            <a:pPr marL="0" indent="0" algn="ctr">
+            <a:pPr algn="ctr">
               <a:buNone/>
             </a:pPr>
             <a:r>
-              <a:rPr lang="zh-TW" altLang="en-US" sz="5400" b="1" dirty="0">
-                <a:solidFill>
-                  <a:srgbClr val="002060"/>
-                </a:solidFill>
-                <a:latin typeface="Microsoft JhengHei" pitchFamily="34" charset="-120"/>
-                <a:ea typeface="Microsoft JhengHei" pitchFamily="34" charset="-120"/>
-              </a:rPr>
-              <a:t>誰還以愛驅走心裡懼怕怯懦</a:t>
-            </a:r>
-            <a:endParaRPr lang="en-US" altLang="zh-TW" sz="5400" b="1" dirty="0">
+              <a:rPr lang="zh-TW" altLang="en-US" sz="5400" b="1" dirty="0" smtClean="0">
+                <a:solidFill>
+                  <a:srgbClr val="000066"/>
+                </a:solidFill>
+                <a:latin typeface="微軟正黑體" pitchFamily="34" charset="-120"/>
+                <a:ea typeface="微軟正黑體" pitchFamily="34" charset="-120"/>
+              </a:rPr>
+              <a:t> 我若只有  一息尚存</a:t>
+            </a:r>
+            <a:endParaRPr lang="en-US" altLang="zh-TW" sz="5400" b="1" dirty="0" smtClean="0">
               <a:solidFill>
-                <a:srgbClr val="002060"/>
+                <a:srgbClr val="000066"/>
               </a:solidFill>
-              <a:latin typeface="Microsoft JhengHei" pitchFamily="34" charset="-120"/>
-              <a:ea typeface="Microsoft JhengHei" pitchFamily="34" charset="-120"/>
+              <a:latin typeface="微軟正黑體" pitchFamily="34" charset="-120"/>
+              <a:ea typeface="微軟正黑體" pitchFamily="34" charset="-120"/>
             </a:endParaRPr>
           </a:p>
           <a:p>
-            <a:pPr marL="0" indent="0" algn="ctr">
+            <a:pPr algn="ctr">
               <a:buNone/>
             </a:pPr>
             <a:r>
-              <a:rPr lang="zh-TW" altLang="en-US" sz="5400" b="1" dirty="0">
-                <a:solidFill>
-                  <a:srgbClr val="002060"/>
-                </a:solidFill>
-                <a:latin typeface="Microsoft JhengHei" pitchFamily="34" charset="-120"/>
-                <a:ea typeface="Microsoft JhengHei" pitchFamily="34" charset="-120"/>
-              </a:rPr>
-              <a:t>那懼路途捲動著漩渦</a:t>
-            </a:r>
-            <a:endParaRPr lang="en-US" sz="5400" b="1" dirty="0">
+              <a:rPr lang="zh-TW" altLang="en-US" sz="5400" b="1" dirty="0" smtClean="0">
+                <a:solidFill>
+                  <a:srgbClr val="000066"/>
+                </a:solidFill>
+                <a:latin typeface="微軟正黑體" pitchFamily="34" charset="-120"/>
+                <a:ea typeface="微軟正黑體" pitchFamily="34" charset="-120"/>
+              </a:rPr>
+              <a:t>也要定意敬拜你</a:t>
+            </a:r>
+            <a:endParaRPr lang="zh-TW" altLang="en-US" sz="5400" b="1" dirty="0">
               <a:solidFill>
-                <a:srgbClr val="002060"/>
+                <a:srgbClr val="000066"/>
               </a:solidFill>
-              <a:latin typeface="Microsoft JhengHei" pitchFamily="34" charset="-120"/>
-              <a:ea typeface="Microsoft JhengHei" pitchFamily="34" charset="-120"/>
+              <a:latin typeface="微軟正黑體" pitchFamily="34" charset="-120"/>
+              <a:ea typeface="微軟正黑體" pitchFamily="34" charset="-120"/>
             </a:endParaRPr>
           </a:p>
         </p:txBody>
       </p:sp>
     </p:spTree>
-    <p:extLst>
-      <p:ext uri="{BB962C8B-B14F-4D97-AF65-F5344CB8AC3E}">
-        <p14:creationId xmlns:p14="http://schemas.microsoft.com/office/powerpoint/2010/main" val="2289785722"/>
-      </p:ext>
-    </p:extLst>
   </p:cSld>
   <p:clrMapOvr>
     <a:masterClrMapping/>
   </p:clrMapOvr>
+  <p:timing>
+    <p:tnLst>
+      <p:par>
+        <p:cTn id="1" dur="indefinite" restart="never" nodeType="tmRoot"/>
+      </p:par>
+    </p:tnLst>
+  </p:timing>
 </p:sld>
 </file>
 
@@ -3536,7 +3423,7 @@
       </p:grpSpPr>
       <p:sp>
         <p:nvSpPr>
-          <p:cNvPr id="2" name="Title 1"/>
+          <p:cNvPr id="2" name="標題 1"/>
           <p:cNvSpPr>
             <a:spLocks noGrp="1"/>
           </p:cNvSpPr>
@@ -3550,28 +3437,28 @@
           <a:lstStyle/>
           <a:p>
             <a:r>
-              <a:rPr lang="zh-CN" altLang="en-US" b="1" dirty="0">
-                <a:solidFill>
-                  <a:srgbClr val="002060"/>
-                </a:solidFill>
-                <a:latin typeface="Microsoft JhengHei" pitchFamily="34" charset="-120"/>
-                <a:ea typeface="Microsoft JhengHei" pitchFamily="34" charset="-120"/>
-              </a:rPr>
-              <a:t>誰曾應許</a:t>
-            </a:r>
-            <a:endParaRPr lang="en-US" b="1" dirty="0">
+              <a:rPr lang="zh-CN" altLang="en-US" b="1" dirty="0" smtClean="0">
+                <a:solidFill>
+                  <a:srgbClr val="000066"/>
+                </a:solidFill>
+                <a:latin typeface="微軟正黑體" pitchFamily="34" charset="-120"/>
+                <a:ea typeface="微軟正黑體" pitchFamily="34" charset="-120"/>
+              </a:rPr>
+              <a:t>獻上頌讚</a:t>
+            </a:r>
+            <a:endParaRPr lang="zh-TW" altLang="en-US" b="1" dirty="0">
               <a:solidFill>
-                <a:srgbClr val="002060"/>
+                <a:srgbClr val="000066"/>
               </a:solidFill>
-              <a:latin typeface="Microsoft JhengHei" pitchFamily="34" charset="-120"/>
-              <a:ea typeface="Microsoft JhengHei" pitchFamily="34" charset="-120"/>
+              <a:latin typeface="微軟正黑體" pitchFamily="34" charset="-120"/>
+              <a:ea typeface="微軟正黑體" pitchFamily="34" charset="-120"/>
             </a:endParaRPr>
           </a:p>
         </p:txBody>
       </p:sp>
       <p:sp>
         <p:nvSpPr>
-          <p:cNvPr id="3" name="Content Placeholder 2"/>
+          <p:cNvPr id="3" name="內容版面配置區 2"/>
           <p:cNvSpPr>
             <a:spLocks noGrp="1"/>
           </p:cNvSpPr>
@@ -3581,93 +3468,139 @@
         </p:nvSpPr>
         <p:spPr>
           <a:xfrm>
-            <a:off x="0" y="1600200"/>
-            <a:ext cx="9144000" cy="4525963"/>
+            <a:off x="457200" y="1600200"/>
+            <a:ext cx="8229600" cy="5257800"/>
           </a:xfrm>
         </p:spPr>
         <p:txBody>
           <a:bodyPr>
-            <a:noAutofit/>
+            <a:normAutofit/>
           </a:bodyPr>
           <a:lstStyle/>
           <a:p>
-            <a:pPr marL="0" indent="0" algn="ctr">
+            <a:pPr algn="ctr">
               <a:buNone/>
             </a:pPr>
             <a:r>
-              <a:rPr lang="zh-TW" altLang="en-US" sz="5400" b="1" dirty="0">
-                <a:solidFill>
-                  <a:srgbClr val="002060"/>
-                </a:solidFill>
-                <a:latin typeface="Microsoft JhengHei" pitchFamily="34" charset="-120"/>
-                <a:ea typeface="Microsoft JhengHei" pitchFamily="34" charset="-120"/>
-              </a:rPr>
-              <a:t>因你是我主我避難所</a:t>
-            </a:r>
-            <a:endParaRPr lang="en-US" altLang="zh-TW" sz="5400" b="1" dirty="0">
+              <a:rPr lang="zh-TW" altLang="en-US" sz="5400" b="1" dirty="0" smtClean="0">
+                <a:solidFill>
+                  <a:srgbClr val="000066"/>
+                </a:solidFill>
+                <a:latin typeface="微軟正黑體" pitchFamily="34" charset="-120"/>
+                <a:ea typeface="微軟正黑體" pitchFamily="34" charset="-120"/>
+              </a:rPr>
+              <a:t>獻上頌讚  要吶喊</a:t>
+            </a:r>
+            <a:endParaRPr lang="en-US" altLang="zh-TW" sz="5400" b="1" dirty="0" smtClean="0">
               <a:solidFill>
-                <a:srgbClr val="002060"/>
+                <a:srgbClr val="000066"/>
               </a:solidFill>
-              <a:latin typeface="Microsoft JhengHei" pitchFamily="34" charset="-120"/>
-              <a:ea typeface="Microsoft JhengHei" pitchFamily="34" charset="-120"/>
+              <a:latin typeface="微軟正黑體" pitchFamily="34" charset="-120"/>
+              <a:ea typeface="微軟正黑體" pitchFamily="34" charset="-120"/>
             </a:endParaRPr>
           </a:p>
           <a:p>
-            <a:pPr marL="0" indent="0" algn="ctr">
+            <a:pPr algn="ctr">
               <a:buNone/>
             </a:pPr>
             <a:r>
-              <a:rPr lang="zh-TW" altLang="en-US" sz="5400" b="1" dirty="0">
-                <a:solidFill>
-                  <a:srgbClr val="002060"/>
-                </a:solidFill>
-                <a:latin typeface="Microsoft JhengHei" pitchFamily="34" charset="-120"/>
-                <a:ea typeface="Microsoft JhengHei" pitchFamily="34" charset="-120"/>
-              </a:rPr>
-              <a:t>我盾牌和詩歌</a:t>
-            </a:r>
-            <a:endParaRPr lang="en-US" altLang="zh-TW" sz="5400" b="1" dirty="0">
+              <a:rPr lang="zh-TW" altLang="en-US" sz="5400" b="1" dirty="0" smtClean="0">
+                <a:solidFill>
+                  <a:srgbClr val="000066"/>
+                </a:solidFill>
+                <a:latin typeface="微軟正黑體" pitchFamily="34" charset="-120"/>
+                <a:ea typeface="微軟正黑體" pitchFamily="34" charset="-120"/>
+              </a:rPr>
+              <a:t>要頌揚  各處頌讚</a:t>
+            </a:r>
+            <a:endParaRPr lang="en-US" altLang="zh-TW" sz="5400" b="1" dirty="0" smtClean="0">
               <a:solidFill>
-                <a:srgbClr val="002060"/>
+                <a:srgbClr val="000066"/>
               </a:solidFill>
-              <a:latin typeface="Microsoft JhengHei" pitchFamily="34" charset="-120"/>
-              <a:ea typeface="Microsoft JhengHei" pitchFamily="34" charset="-120"/>
+              <a:latin typeface="微軟正黑體" pitchFamily="34" charset="-120"/>
+              <a:ea typeface="微軟正黑體" pitchFamily="34" charset="-120"/>
             </a:endParaRPr>
           </a:p>
           <a:p>
-            <a:pPr marL="0" indent="0" algn="ctr">
+            <a:pPr algn="ctr">
               <a:buNone/>
             </a:pPr>
             <a:r>
-              <a:rPr lang="zh-TW" altLang="en-US" sz="5400" b="1" dirty="0">
-                <a:solidFill>
-                  <a:srgbClr val="002060"/>
-                </a:solidFill>
-                <a:latin typeface="Microsoft JhengHei" pitchFamily="34" charset="-120"/>
-                <a:ea typeface="Microsoft JhengHei" pitchFamily="34" charset="-120"/>
-              </a:rPr>
-              <a:t>你是我的高臺我隨時幫助</a:t>
-            </a:r>
-            <a:endParaRPr lang="en-US" sz="5400" b="1" dirty="0">
+              <a:rPr lang="zh-TW" altLang="en-US" sz="5400" b="1" dirty="0" smtClean="0">
+                <a:solidFill>
+                  <a:srgbClr val="000066"/>
+                </a:solidFill>
+                <a:latin typeface="微軟正黑體" pitchFamily="34" charset="-120"/>
+                <a:ea typeface="微軟正黑體" pitchFamily="34" charset="-120"/>
+              </a:rPr>
+              <a:t>眾山歡呼拍掌 </a:t>
+            </a:r>
+            <a:endParaRPr lang="en-US" altLang="zh-TW" sz="5400" b="1" dirty="0" smtClean="0">
               <a:solidFill>
-                <a:srgbClr val="002060"/>
+                <a:srgbClr val="000066"/>
               </a:solidFill>
-              <a:latin typeface="Microsoft JhengHei" pitchFamily="34" charset="-120"/>
-              <a:ea typeface="Microsoft JhengHei" pitchFamily="34" charset="-120"/>
+              <a:latin typeface="微軟正黑體" pitchFamily="34" charset="-120"/>
+              <a:ea typeface="微軟正黑體" pitchFamily="34" charset="-120"/>
             </a:endParaRPr>
           </a:p>
+          <a:p>
+            <a:pPr algn="ctr">
+              <a:buNone/>
+            </a:pPr>
+            <a:r>
+              <a:rPr lang="zh-TW" altLang="en-US" sz="5400" b="1" dirty="0" smtClean="0">
+                <a:solidFill>
+                  <a:srgbClr val="000066"/>
+                </a:solidFill>
+                <a:latin typeface="微軟正黑體" pitchFamily="34" charset="-120"/>
+                <a:ea typeface="微軟正黑體" pitchFamily="34" charset="-120"/>
+              </a:rPr>
+              <a:t>遍野萬里也和應叫嚷</a:t>
+            </a:r>
+            <a:endParaRPr lang="en-US" altLang="zh-TW" sz="5400" b="1" dirty="0" smtClean="0">
+              <a:solidFill>
+                <a:srgbClr val="000066"/>
+              </a:solidFill>
+              <a:latin typeface="微軟正黑體" pitchFamily="34" charset="-120"/>
+              <a:ea typeface="微軟正黑體" pitchFamily="34" charset="-120"/>
+            </a:endParaRPr>
+          </a:p>
+          <a:p>
+            <a:pPr algn="ctr">
+              <a:buNone/>
+            </a:pPr>
+            <a:r>
+              <a:rPr lang="zh-TW" altLang="en-US" sz="5400" b="1" dirty="0" smtClean="0">
+                <a:solidFill>
+                  <a:srgbClr val="000066"/>
+                </a:solidFill>
+                <a:latin typeface="微軟正黑體" pitchFamily="34" charset="-120"/>
+                <a:ea typeface="微軟正黑體" pitchFamily="34" charset="-120"/>
+              </a:rPr>
+              <a:t> 與眾海呼喊  傳揚上主</a:t>
+            </a:r>
+            <a:endParaRPr lang="zh-TW" altLang="en-US" sz="5400" b="1" dirty="0">
+              <a:solidFill>
+                <a:srgbClr val="000066"/>
+              </a:solidFill>
+              <a:latin typeface="微軟正黑體" pitchFamily="34" charset="-120"/>
+              <a:ea typeface="微軟正黑體" pitchFamily="34" charset="-120"/>
+            </a:endParaRPr>
+          </a:p>
         </p:txBody>
       </p:sp>
     </p:spTree>
-    <p:extLst>
-      <p:ext uri="{BB962C8B-B14F-4D97-AF65-F5344CB8AC3E}">
-        <p14:creationId xmlns:p14="http://schemas.microsoft.com/office/powerpoint/2010/main" val="2400791467"/>
-      </p:ext>
-    </p:extLst>
   </p:cSld>
   <p:clrMapOvr>
     <a:masterClrMapping/>
   </p:clrMapOvr>
+  <p:timing>
+    <p:tnLst>
+      <p:par>
+        <p:cTn id="1" dur="indefinite" restart="never" nodeType="tmRoot"/>
+      </p:par>
+    </p:tnLst>
+  </p:timing>
 </p:sld>
 </file>
 
@@ -3690,7 +3623,7 @@
       </p:grpSpPr>
       <p:sp>
         <p:nvSpPr>
-          <p:cNvPr id="2" name="Title 1"/>
+          <p:cNvPr id="2" name="標題 1"/>
           <p:cNvSpPr>
             <a:spLocks noGrp="1"/>
           </p:cNvSpPr>
@@ -3704,28 +3637,28 @@
           <a:lstStyle/>
           <a:p>
             <a:r>
-              <a:rPr lang="zh-CN" altLang="en-US" b="1" dirty="0">
-                <a:solidFill>
-                  <a:srgbClr val="002060"/>
-                </a:solidFill>
-                <a:latin typeface="Microsoft JhengHei" pitchFamily="34" charset="-120"/>
-                <a:ea typeface="Microsoft JhengHei" pitchFamily="34" charset="-120"/>
-              </a:rPr>
-              <a:t>誰曾應許</a:t>
-            </a:r>
-            <a:endParaRPr lang="en-US" b="1" dirty="0">
+              <a:rPr lang="zh-CN" altLang="en-US" b="1" dirty="0" smtClean="0">
+                <a:solidFill>
+                  <a:srgbClr val="000066"/>
+                </a:solidFill>
+                <a:latin typeface="微軟正黑體" pitchFamily="34" charset="-120"/>
+                <a:ea typeface="微軟正黑體" pitchFamily="34" charset="-120"/>
+              </a:rPr>
+              <a:t>獻上頌讚</a:t>
+            </a:r>
+            <a:endParaRPr lang="zh-TW" altLang="en-US" b="1" dirty="0">
               <a:solidFill>
-                <a:srgbClr val="002060"/>
+                <a:srgbClr val="000066"/>
               </a:solidFill>
-              <a:latin typeface="Microsoft JhengHei" pitchFamily="34" charset="-120"/>
-              <a:ea typeface="Microsoft JhengHei" pitchFamily="34" charset="-120"/>
+              <a:latin typeface="微軟正黑體" pitchFamily="34" charset="-120"/>
+              <a:ea typeface="微軟正黑體" pitchFamily="34" charset="-120"/>
             </a:endParaRPr>
           </a:p>
         </p:txBody>
       </p:sp>
       <p:sp>
         <p:nvSpPr>
-          <p:cNvPr id="3" name="Content Placeholder 2"/>
+          <p:cNvPr id="3" name="內容版面配置區 2"/>
           <p:cNvSpPr>
             <a:spLocks noGrp="1"/>
           </p:cNvSpPr>
@@ -3735,115 +3668,125 @@
         </p:nvSpPr>
         <p:spPr>
           <a:xfrm>
-            <a:off x="0" y="1600200"/>
-            <a:ext cx="9144000" cy="4525963"/>
+            <a:off x="457200" y="1600200"/>
+            <a:ext cx="8229600" cy="5257800"/>
           </a:xfrm>
         </p:spPr>
         <p:txBody>
           <a:bodyPr>
-            <a:noAutofit/>
+            <a:normAutofit/>
           </a:bodyPr>
           <a:lstStyle/>
           <a:p>
-            <a:pPr marL="0" indent="0" algn="ctr">
+            <a:pPr algn="ctr">
               <a:buNone/>
             </a:pPr>
             <a:r>
-              <a:rPr lang="zh-TW" altLang="en-US" sz="5400" b="1" dirty="0">
-                <a:solidFill>
-                  <a:srgbClr val="002060"/>
-                </a:solidFill>
-                <a:latin typeface="Microsoft JhengHei" pitchFamily="34" charset="-120"/>
-                <a:ea typeface="Microsoft JhengHei" pitchFamily="34" charset="-120"/>
-              </a:rPr>
-              <a:t>來吧   用信心讚頌和高歌</a:t>
-            </a:r>
-            <a:endParaRPr lang="en-US" altLang="zh-TW" sz="5400" b="1" dirty="0">
+              <a:rPr lang="zh-TW" altLang="en-US" sz="5400" b="1" dirty="0" smtClean="0">
+                <a:solidFill>
+                  <a:srgbClr val="000066"/>
+                </a:solidFill>
+                <a:latin typeface="微軟正黑體" pitchFamily="34" charset="-120"/>
+                <a:ea typeface="微軟正黑體" pitchFamily="34" charset="-120"/>
+              </a:rPr>
+              <a:t>跳躍和唱  要述說你創造</a:t>
+            </a:r>
+            <a:endParaRPr lang="en-US" altLang="zh-TW" sz="5400" b="1" dirty="0" smtClean="0">
               <a:solidFill>
-                <a:srgbClr val="002060"/>
+                <a:srgbClr val="000066"/>
               </a:solidFill>
-              <a:latin typeface="Microsoft JhengHei" pitchFamily="34" charset="-120"/>
-              <a:ea typeface="Microsoft JhengHei" pitchFamily="34" charset="-120"/>
+              <a:latin typeface="微軟正黑體" pitchFamily="34" charset="-120"/>
+              <a:ea typeface="微軟正黑體" pitchFamily="34" charset="-120"/>
             </a:endParaRPr>
           </a:p>
           <a:p>
-            <a:pPr marL="0" indent="0" algn="ctr">
+            <a:pPr algn="ctr">
               <a:buNone/>
             </a:pPr>
             <a:r>
-              <a:rPr lang="zh-TW" altLang="en-US" sz="5400" b="1" dirty="0">
-                <a:solidFill>
-                  <a:srgbClr val="002060"/>
-                </a:solidFill>
-                <a:latin typeface="Microsoft JhengHei" pitchFamily="34" charset="-120"/>
-                <a:ea typeface="Microsoft JhengHei" pitchFamily="34" charset="-120"/>
-              </a:rPr>
-              <a:t>你永在我心窩</a:t>
-            </a:r>
-            <a:endParaRPr lang="en-US" altLang="zh-TW" sz="5400" b="1" dirty="0">
+              <a:rPr lang="zh-TW" altLang="en-US" sz="5400" b="1" dirty="0" smtClean="0">
+                <a:solidFill>
+                  <a:srgbClr val="000066"/>
+                </a:solidFill>
+                <a:latin typeface="微軟正黑體" pitchFamily="34" charset="-120"/>
+                <a:ea typeface="微軟正黑體" pitchFamily="34" charset="-120"/>
+              </a:rPr>
+              <a:t>願永愛著你</a:t>
+            </a:r>
+            <a:r>
+              <a:rPr lang="en-US" altLang="zh-TW" sz="5400" b="1" dirty="0">
+                <a:solidFill>
+                  <a:srgbClr val="000066"/>
+                </a:solidFill>
+                <a:latin typeface="微軟正黑體" pitchFamily="34" charset="-120"/>
+                <a:ea typeface="微軟正黑體" pitchFamily="34" charset="-120"/>
+              </a:rPr>
+              <a:t> </a:t>
+            </a:r>
+            <a:r>
+              <a:rPr lang="en-US" altLang="zh-TW" sz="5400" b="1" dirty="0" smtClean="0">
+                <a:solidFill>
+                  <a:srgbClr val="000066"/>
+                </a:solidFill>
+                <a:latin typeface="微軟正黑體" pitchFamily="34" charset="-120"/>
+                <a:ea typeface="微軟正黑體" pitchFamily="34" charset="-120"/>
+              </a:rPr>
+              <a:t> </a:t>
+            </a:r>
+            <a:r>
+              <a:rPr lang="zh-TW" altLang="en-US" sz="5400" b="1" dirty="0" smtClean="0">
+                <a:solidFill>
+                  <a:srgbClr val="000066"/>
+                </a:solidFill>
+                <a:latin typeface="微軟正黑體" pitchFamily="34" charset="-120"/>
+                <a:ea typeface="微軟正黑體" pitchFamily="34" charset="-120"/>
+              </a:rPr>
+              <a:t>我這生不變更</a:t>
+            </a:r>
+            <a:endParaRPr lang="en-US" altLang="zh-TW" sz="5400" b="1" dirty="0" smtClean="0">
               <a:solidFill>
-                <a:srgbClr val="002060"/>
+                <a:srgbClr val="000066"/>
               </a:solidFill>
-              <a:latin typeface="Microsoft JhengHei" pitchFamily="34" charset="-120"/>
-              <a:ea typeface="Microsoft JhengHei" pitchFamily="34" charset="-120"/>
+              <a:latin typeface="微軟正黑體" pitchFamily="34" charset="-120"/>
+              <a:ea typeface="微軟正黑體" pitchFamily="34" charset="-120"/>
             </a:endParaRPr>
           </a:p>
           <a:p>
-            <a:pPr marL="0" indent="0" algn="ctr">
+            <a:pPr algn="ctr">
               <a:buNone/>
             </a:pPr>
             <a:r>
-              <a:rPr lang="zh-TW" altLang="en-US" sz="5400" b="1" dirty="0">
-                <a:solidFill>
-                  <a:srgbClr val="002060"/>
-                </a:solidFill>
-                <a:latin typeface="Microsoft JhengHei" pitchFamily="34" charset="-120"/>
-                <a:ea typeface="Microsoft JhengHei" pitchFamily="34" charset="-120"/>
-              </a:rPr>
-              <a:t>唯你有永生江河</a:t>
-            </a:r>
-            <a:endParaRPr lang="en-US" altLang="zh-TW" sz="5400" b="1" dirty="0">
+              <a:rPr lang="zh-TW" altLang="en-US" sz="5400" b="1" dirty="0" smtClean="0">
+                <a:solidFill>
+                  <a:srgbClr val="000066"/>
+                </a:solidFill>
+                <a:latin typeface="微軟正黑體" pitchFamily="34" charset="-120"/>
+                <a:ea typeface="微軟正黑體" pitchFamily="34" charset="-120"/>
+              </a:rPr>
+              <a:t>這世上永再沒有別人像你</a:t>
+            </a:r>
+            <a:endParaRPr lang="zh-TW" altLang="en-US" sz="5400" b="1" dirty="0">
               <a:solidFill>
-                <a:srgbClr val="002060"/>
+                <a:srgbClr val="000066"/>
               </a:solidFill>
-              <a:latin typeface="Microsoft JhengHei" pitchFamily="34" charset="-120"/>
-              <a:ea typeface="Microsoft JhengHei" pitchFamily="34" charset="-120"/>
+              <a:latin typeface="微軟正黑體" pitchFamily="34" charset="-120"/>
+              <a:ea typeface="微軟正黑體" pitchFamily="34" charset="-120"/>
             </a:endParaRPr>
           </a:p>
-          <a:p>
-            <a:pPr marL="0" indent="0" algn="ctr">
-              <a:buNone/>
-            </a:pPr>
-            <a:r>
-              <a:rPr lang="zh-TW" altLang="en-US" sz="5400" b="1" dirty="0">
-                <a:solidFill>
-                  <a:srgbClr val="002060"/>
-                </a:solidFill>
-                <a:latin typeface="Microsoft JhengHei" pitchFamily="34" charset="-120"/>
-                <a:ea typeface="Microsoft JhengHei" pitchFamily="34" charset="-120"/>
-              </a:rPr>
-              <a:t>除你以外不倚靠別個</a:t>
-            </a:r>
-            <a:endParaRPr lang="en-US" sz="5400" b="1" dirty="0">
-              <a:solidFill>
-                <a:srgbClr val="002060"/>
-              </a:solidFill>
-              <a:latin typeface="Microsoft JhengHei" pitchFamily="34" charset="-120"/>
-              <a:ea typeface="Microsoft JhengHei" pitchFamily="34" charset="-120"/>
-            </a:endParaRPr>
-          </a:p>
         </p:txBody>
       </p:sp>
     </p:spTree>
-    <p:extLst>
-      <p:ext uri="{BB962C8B-B14F-4D97-AF65-F5344CB8AC3E}">
-        <p14:creationId xmlns:p14="http://schemas.microsoft.com/office/powerpoint/2010/main" val="3438290738"/>
-      </p:ext>
-    </p:extLst>
   </p:cSld>
   <p:clrMapOvr>
     <a:masterClrMapping/>
   </p:clrMapOvr>
+  <p:timing>
+    <p:tnLst>
+      <p:par>
+        <p:cTn id="1" dur="indefinite" restart="never" nodeType="tmRoot"/>
+      </p:par>
+    </p:tnLst>
+  </p:timing>
 </p:sld>
 </file>
 
@@ -3932,7 +3875,99 @@
                 <a:latin typeface="Microsoft JhengHei" pitchFamily="34" charset="-120"/>
                 <a:ea typeface="Microsoft JhengHei" pitchFamily="34" charset="-120"/>
               </a:rPr>
-              <a:t>我究竟算甚麼</a:t>
+              <a:t>誰曾應</a:t>
+            </a:r>
+            <a:r>
+              <a:rPr lang="zh-TW" altLang="en-US" sz="5400" b="1" dirty="0" smtClean="0">
+                <a:solidFill>
+                  <a:srgbClr val="002060"/>
+                </a:solidFill>
+                <a:latin typeface="Microsoft JhengHei" pitchFamily="34" charset="-120"/>
+                <a:ea typeface="Microsoft JhengHei" pitchFamily="34" charset="-120"/>
+              </a:rPr>
+              <a:t>許   一</a:t>
+            </a:r>
+            <a:r>
+              <a:rPr lang="zh-TW" altLang="en-US" sz="5400" b="1" dirty="0">
+                <a:solidFill>
+                  <a:srgbClr val="002060"/>
+                </a:solidFill>
+                <a:latin typeface="Microsoft JhengHei" pitchFamily="34" charset="-120"/>
+                <a:ea typeface="Microsoft JhengHei" pitchFamily="34" charset="-120"/>
+              </a:rPr>
+              <a:t>生不撇下</a:t>
+            </a:r>
+            <a:r>
+              <a:rPr lang="zh-TW" altLang="en-US" sz="5400" b="1" dirty="0" smtClean="0">
+                <a:solidFill>
+                  <a:srgbClr val="002060"/>
+                </a:solidFill>
+                <a:latin typeface="Microsoft JhengHei" pitchFamily="34" charset="-120"/>
+                <a:ea typeface="Microsoft JhengHei" pitchFamily="34" charset="-120"/>
+              </a:rPr>
+              <a:t>我</a:t>
+            </a:r>
+            <a:endParaRPr lang="en-US" altLang="zh-TW" sz="5400" b="1" dirty="0" smtClean="0">
+              <a:solidFill>
+                <a:srgbClr val="002060"/>
+              </a:solidFill>
+              <a:latin typeface="Microsoft JhengHei" pitchFamily="34" charset="-120"/>
+              <a:ea typeface="Microsoft JhengHei" pitchFamily="34" charset="-120"/>
+            </a:endParaRPr>
+          </a:p>
+          <a:p>
+            <a:pPr marL="0" indent="0" algn="ctr">
+              <a:buNone/>
+            </a:pPr>
+            <a:r>
+              <a:rPr lang="zh-TW" altLang="en-US" sz="5400" b="1" dirty="0" smtClean="0">
+                <a:solidFill>
+                  <a:srgbClr val="002060"/>
+                </a:solidFill>
+                <a:latin typeface="Microsoft JhengHei" pitchFamily="34" charset="-120"/>
+                <a:ea typeface="Microsoft JhengHei" pitchFamily="34" charset="-120"/>
+              </a:rPr>
+              <a:t>每</a:t>
+            </a:r>
+            <a:r>
+              <a:rPr lang="zh-TW" altLang="en-US" sz="5400" b="1" dirty="0">
+                <a:solidFill>
+                  <a:srgbClr val="002060"/>
+                </a:solidFill>
+                <a:latin typeface="Microsoft JhengHei" pitchFamily="34" charset="-120"/>
+                <a:ea typeface="Microsoft JhengHei" pitchFamily="34" charset="-120"/>
+              </a:rPr>
+              <a:t>段</a:t>
+            </a:r>
+            <a:r>
+              <a:rPr lang="zh-TW" altLang="en-US" sz="5400" b="1" dirty="0" smtClean="0">
+                <a:solidFill>
+                  <a:srgbClr val="002060"/>
+                </a:solidFill>
+                <a:latin typeface="Microsoft JhengHei" pitchFamily="34" charset="-120"/>
+                <a:ea typeface="Microsoft JhengHei" pitchFamily="34" charset="-120"/>
+              </a:rPr>
+              <a:t>窄路   誰</a:t>
+            </a:r>
+            <a:r>
+              <a:rPr lang="zh-TW" altLang="en-US" sz="5400" b="1" dirty="0">
+                <a:solidFill>
+                  <a:srgbClr val="002060"/>
+                </a:solidFill>
+                <a:latin typeface="Microsoft JhengHei" pitchFamily="34" charset="-120"/>
+                <a:ea typeface="Microsoft JhengHei" pitchFamily="34" charset="-120"/>
+              </a:rPr>
+              <a:t>陪我去走</a:t>
+            </a:r>
+            <a:r>
+              <a:rPr lang="zh-TW" altLang="en-US" sz="5400" b="1" dirty="0" smtClean="0">
+                <a:solidFill>
+                  <a:srgbClr val="002060"/>
+                </a:solidFill>
+                <a:latin typeface="Microsoft JhengHei" pitchFamily="34" charset="-120"/>
+                <a:ea typeface="Microsoft JhengHei" pitchFamily="34" charset="-120"/>
+              </a:rPr>
+              <a:t>過</a:t>
             </a:r>
             <a:endParaRPr lang="en-US" altLang="zh-TW" sz="5400" b="1" dirty="0">
               <a:solidFill>
@@ -3947,14 +3982,96 @@
               <a:buNone/>
             </a:pPr>
             <a:r>
-              <a:rPr lang="zh-TW" altLang="en-US" sz="5400" b="1" dirty="0">
+              <a:rPr lang="zh-TW" altLang="en-US" sz="5400" b="1" dirty="0" smtClean="0">
                 <a:solidFill>
                   <a:srgbClr val="002060"/>
                 </a:solidFill>
                 <a:latin typeface="Microsoft JhengHei" pitchFamily="34" charset="-120"/>
                 <a:ea typeface="Microsoft JhengHei" pitchFamily="34" charset="-120"/>
               </a:rPr>
-              <a:t>神你竟這般顧念我</a:t>
+              <a:t>誰</a:t>
+            </a:r>
+            <a:r>
+              <a:rPr lang="zh-TW" altLang="en-US" sz="5400" b="1" dirty="0">
+                <a:solidFill>
+                  <a:srgbClr val="002060"/>
+                </a:solidFill>
+                <a:latin typeface="Microsoft JhengHei" pitchFamily="34" charset="-120"/>
+                <a:ea typeface="Microsoft JhengHei" pitchFamily="34" charset="-120"/>
+              </a:rPr>
+              <a:t>還領</a:t>
+            </a:r>
+            <a:r>
+              <a:rPr lang="zh-TW" altLang="en-US" sz="5400" b="1" dirty="0" smtClean="0">
+                <a:solidFill>
+                  <a:srgbClr val="002060"/>
+                </a:solidFill>
+                <a:latin typeface="Microsoft JhengHei" pitchFamily="34" charset="-120"/>
+                <a:ea typeface="Microsoft JhengHei" pitchFamily="34" charset="-120"/>
+              </a:rPr>
+              <a:t>我   於</a:t>
+            </a:r>
+            <a:r>
+              <a:rPr lang="zh-TW" altLang="en-US" sz="5400" b="1" dirty="0">
+                <a:solidFill>
+                  <a:srgbClr val="002060"/>
+                </a:solidFill>
+                <a:latin typeface="Microsoft JhengHei" pitchFamily="34" charset="-120"/>
+                <a:ea typeface="Microsoft JhengHei" pitchFamily="34" charset="-120"/>
+              </a:rPr>
+              <a:t>青草恬靜處躺</a:t>
+            </a:r>
+            <a:r>
+              <a:rPr lang="zh-TW" altLang="en-US" sz="5400" b="1" dirty="0" smtClean="0">
+                <a:solidFill>
+                  <a:srgbClr val="002060"/>
+                </a:solidFill>
+                <a:latin typeface="Microsoft JhengHei" pitchFamily="34" charset="-120"/>
+                <a:ea typeface="Microsoft JhengHei" pitchFamily="34" charset="-120"/>
+              </a:rPr>
+              <a:t>臥</a:t>
+            </a:r>
+            <a:endParaRPr lang="en-US" altLang="zh-TW" sz="5400" b="1" dirty="0" smtClean="0">
+              <a:solidFill>
+                <a:srgbClr val="002060"/>
+              </a:solidFill>
+              <a:latin typeface="Microsoft JhengHei" pitchFamily="34" charset="-120"/>
+              <a:ea typeface="Microsoft JhengHei" pitchFamily="34" charset="-120"/>
+            </a:endParaRPr>
+          </a:p>
+          <a:p>
+            <a:pPr marL="0" indent="0" algn="ctr">
+              <a:buNone/>
+            </a:pPr>
+            <a:r>
+              <a:rPr lang="zh-TW" altLang="en-US" sz="5400" b="1" dirty="0" smtClean="0">
+                <a:solidFill>
+                  <a:srgbClr val="002060"/>
+                </a:solidFill>
+                <a:latin typeface="Microsoft JhengHei" pitchFamily="34" charset="-120"/>
+                <a:ea typeface="Microsoft JhengHei" pitchFamily="34" charset="-120"/>
+              </a:rPr>
+              <a:t>豐</a:t>
+            </a:r>
+            <a:r>
+              <a:rPr lang="zh-TW" altLang="en-US" sz="5400" b="1" dirty="0">
+                <a:solidFill>
+                  <a:srgbClr val="002060"/>
+                </a:solidFill>
+                <a:latin typeface="Microsoft JhengHei" pitchFamily="34" charset="-120"/>
+                <a:ea typeface="Microsoft JhengHei" pitchFamily="34" charset="-120"/>
+              </a:rPr>
+              <a:t>足恩惠比海沙更</a:t>
+            </a:r>
+            <a:r>
+              <a:rPr lang="zh-TW" altLang="en-US" sz="5400" b="1" dirty="0" smtClean="0">
+                <a:solidFill>
+                  <a:srgbClr val="002060"/>
+                </a:solidFill>
+                <a:latin typeface="Microsoft JhengHei" pitchFamily="34" charset="-120"/>
+                <a:ea typeface="Microsoft JhengHei" pitchFamily="34" charset="-120"/>
+              </a:rPr>
+              <a:t>多</a:t>
             </a:r>
             <a:endParaRPr lang="en-US" sz="5400" b="1" dirty="0">
               <a:solidFill>
@@ -3969,13 +4086,20 @@
     </p:spTree>
     <p:extLst>
       <p:ext uri="{BB962C8B-B14F-4D97-AF65-F5344CB8AC3E}">
-        <p14:creationId xmlns:p14="http://schemas.microsoft.com/office/powerpoint/2010/main" val="344829097"/>
+        <p14:creationId xmlns="" xmlns:p14="http://schemas.microsoft.com/office/powerpoint/2010/main" val="1107474778"/>
       </p:ext>
     </p:extLst>
   </p:cSld>
   <p:clrMapOvr>
     <a:masterClrMapping/>
   </p:clrMapOvr>
+  <p:timing>
+    <p:tnLst>
+      <p:par>
+        <p:cTn id="1" dur="indefinite" restart="never" nodeType="tmRoot"/>
+      </p:par>
+    </p:tnLst>
+  </p:timing>
 </p:sld>
 </file>
 
@@ -3998,7 +4122,7 @@
       </p:grpSpPr>
       <p:sp>
         <p:nvSpPr>
-          <p:cNvPr id="4" name="標題 3"/>
+          <p:cNvPr id="2" name="Title 1"/>
           <p:cNvSpPr>
             <a:spLocks noGrp="1"/>
           </p:cNvSpPr>
@@ -4012,21 +4136,28 @@
           <a:lstStyle/>
           <a:p>
             <a:r>
-              <a:rPr lang="zh-TW" altLang="en-US" b="1" dirty="0">
-                <a:solidFill>
-                  <a:srgbClr val="660033"/>
-                </a:solidFill>
-                <a:latin typeface="微軟正黑體" pitchFamily="34" charset="-120"/>
-                <a:ea typeface="微軟正黑體" pitchFamily="34" charset="-120"/>
-              </a:rPr>
-              <a:t>獻給我天上的主</a:t>
-            </a:r>
-          </a:p>
-        </p:txBody>
-      </p:sp>
-      <p:sp>
-        <p:nvSpPr>
-          <p:cNvPr id="5" name="內容版面配置區 4"/>
+              <a:rPr lang="zh-CN" altLang="en-US" b="1" dirty="0">
+                <a:solidFill>
+                  <a:srgbClr val="002060"/>
+                </a:solidFill>
+                <a:latin typeface="Microsoft JhengHei" pitchFamily="34" charset="-120"/>
+                <a:ea typeface="Microsoft JhengHei" pitchFamily="34" charset="-120"/>
+              </a:rPr>
+              <a:t>誰曾應許</a:t>
+            </a:r>
+            <a:endParaRPr lang="en-US" b="1" dirty="0">
+              <a:solidFill>
+                <a:srgbClr val="002060"/>
+              </a:solidFill>
+              <a:latin typeface="Microsoft JhengHei" pitchFamily="34" charset="-120"/>
+              <a:ea typeface="Microsoft JhengHei" pitchFamily="34" charset="-120"/>
+            </a:endParaRPr>
+          </a:p>
+        </p:txBody>
+      </p:sp>
+      <p:sp>
+        <p:nvSpPr>
+          <p:cNvPr id="3" name="Content Placeholder 2"/>
           <p:cNvSpPr>
             <a:spLocks noGrp="1"/>
           </p:cNvSpPr>
@@ -4034,165 +4165,124 @@
             <p:ph idx="1"/>
           </p:nvPr>
         </p:nvSpPr>
-        <p:spPr/>
+        <p:spPr>
+          <a:xfrm>
+            <a:off x="0" y="1600200"/>
+            <a:ext cx="9144000" cy="4525963"/>
+          </a:xfrm>
+        </p:spPr>
         <p:txBody>
           <a:bodyPr>
-            <a:normAutofit/>
+            <a:noAutofit/>
           </a:bodyPr>
           <a:lstStyle/>
           <a:p>
-            <a:pPr algn="ctr">
+            <a:pPr marL="0" indent="0" algn="ctr">
               <a:buNone/>
             </a:pPr>
             <a:r>
               <a:rPr lang="zh-TW" altLang="en-US" sz="5400" b="1" dirty="0">
                 <a:solidFill>
-                  <a:srgbClr val="660033"/>
-                </a:solidFill>
-                <a:latin typeface="微軟正黑體" pitchFamily="34" charset="-120"/>
-                <a:ea typeface="微軟正黑體" pitchFamily="34" charset="-120"/>
-              </a:rPr>
-              <a:t>在我心中有千百萬</a:t>
-            </a:r>
-            <a:r>
-              <a:rPr lang="zh-TW" altLang="en-US" sz="5400" b="1" dirty="0" smtClean="0">
-                <a:solidFill>
-                  <a:srgbClr val="660033"/>
-                </a:solidFill>
-                <a:latin typeface="微軟正黑體" pitchFamily="34" charset="-120"/>
-                <a:ea typeface="微軟正黑體" pitchFamily="34" charset="-120"/>
-              </a:rPr>
-              <a:t>心聲</a:t>
-            </a:r>
-            <a:endParaRPr lang="en-US" altLang="zh-TW" sz="5400" b="1" dirty="0" smtClean="0">
-              <a:solidFill>
-                <a:srgbClr val="660033"/>
-              </a:solidFill>
-              <a:latin typeface="微軟正黑體" pitchFamily="34" charset="-120"/>
-              <a:ea typeface="微軟正黑體" pitchFamily="34" charset="-120"/>
-            </a:endParaRPr>
-          </a:p>
-          <a:p>
-            <a:pPr algn="ctr">
-              <a:buNone/>
-            </a:pPr>
-            <a:r>
-              <a:rPr lang="zh-TW" altLang="en-US" sz="5400" b="1" dirty="0" smtClean="0">
-                <a:solidFill>
-                  <a:srgbClr val="660033"/>
-                </a:solidFill>
-                <a:latin typeface="微軟正黑體" pitchFamily="34" charset="-120"/>
-                <a:ea typeface="微軟正黑體" pitchFamily="34" charset="-120"/>
-              </a:rPr>
-              <a:t>來</a:t>
-            </a:r>
-            <a:r>
-              <a:rPr lang="zh-TW" altLang="en-US" sz="5400" b="1" dirty="0">
-                <a:solidFill>
-                  <a:srgbClr val="660033"/>
-                </a:solidFill>
-                <a:latin typeface="微軟正黑體" pitchFamily="34" charset="-120"/>
-                <a:ea typeface="微軟正黑體" pitchFamily="34" charset="-120"/>
-              </a:rPr>
-              <a:t>呈獻給我天上的</a:t>
-            </a:r>
-            <a:r>
-              <a:rPr lang="zh-TW" altLang="en-US" sz="5400" b="1" dirty="0" smtClean="0">
-                <a:solidFill>
-                  <a:srgbClr val="660033"/>
-                </a:solidFill>
-                <a:latin typeface="微軟正黑體" pitchFamily="34" charset="-120"/>
-                <a:ea typeface="微軟正黑體" pitchFamily="34" charset="-120"/>
-              </a:rPr>
-              <a:t>主</a:t>
+                  <a:srgbClr val="002060"/>
+                </a:solidFill>
+                <a:latin typeface="Microsoft JhengHei" pitchFamily="34" charset="-120"/>
+                <a:ea typeface="Microsoft JhengHei" pitchFamily="34" charset="-120"/>
+              </a:rPr>
+              <a:t>誰曾應許   天天看顧著我</a:t>
             </a:r>
             <a:endParaRPr lang="en-US" altLang="zh-TW" sz="5400" b="1" dirty="0">
               <a:solidFill>
-                <a:srgbClr val="660033"/>
+                <a:srgbClr val="002060"/>
               </a:solidFill>
-              <a:latin typeface="微軟正黑體" pitchFamily="34" charset="-120"/>
-              <a:ea typeface="微軟正黑體" pitchFamily="34" charset="-120"/>
+              <a:latin typeface="Microsoft JhengHei" pitchFamily="34" charset="-120"/>
+              <a:ea typeface="Microsoft JhengHei" pitchFamily="34" charset="-120"/>
             </a:endParaRPr>
           </a:p>
           <a:p>
-            <a:pPr algn="ctr">
+            <a:pPr marL="0" indent="0" algn="ctr">
               <a:buNone/>
             </a:pPr>
             <a:r>
-              <a:rPr lang="zh-TW" altLang="en-US" sz="5400" b="1" dirty="0" smtClean="0">
-                <a:solidFill>
-                  <a:srgbClr val="660033"/>
-                </a:solidFill>
-                <a:latin typeface="微軟正黑體" pitchFamily="34" charset="-120"/>
-                <a:ea typeface="微軟正黑體" pitchFamily="34" charset="-120"/>
-              </a:rPr>
-              <a:t>願</a:t>
-            </a:r>
-            <a:r>
               <a:rPr lang="zh-TW" altLang="en-US" sz="5400" b="1" dirty="0">
                 <a:solidFill>
-                  <a:srgbClr val="660033"/>
-                </a:solidFill>
-                <a:latin typeface="微軟正黑體" pitchFamily="34" charset="-120"/>
-                <a:ea typeface="微軟正黑體" pitchFamily="34" charset="-120"/>
-              </a:rPr>
-              <a:t>讚美崇揚都一一歸給</a:t>
-            </a:r>
-            <a:r>
-              <a:rPr lang="zh-TW" altLang="en-US" sz="5400" b="1" dirty="0" smtClean="0">
-                <a:solidFill>
-                  <a:srgbClr val="660033"/>
-                </a:solidFill>
-                <a:latin typeface="微軟正黑體" pitchFamily="34" charset="-120"/>
-                <a:ea typeface="微軟正黑體" pitchFamily="34" charset="-120"/>
-              </a:rPr>
-              <a:t>你</a:t>
-            </a:r>
-            <a:endParaRPr lang="en-US" altLang="zh-TW" sz="5400" b="1" dirty="0" smtClean="0">
+                  <a:srgbClr val="002060"/>
+                </a:solidFill>
+                <a:latin typeface="Microsoft JhengHei" pitchFamily="34" charset="-120"/>
+                <a:ea typeface="Microsoft JhengHei" pitchFamily="34" charset="-120"/>
+              </a:rPr>
+              <a:t>晝夜眷佑   連頭髮也數過</a:t>
+            </a:r>
+            <a:endParaRPr lang="en-US" altLang="zh-TW" sz="5400" b="1" dirty="0">
               <a:solidFill>
-                <a:srgbClr val="660033"/>
+                <a:srgbClr val="002060"/>
               </a:solidFill>
-              <a:latin typeface="微軟正黑體" pitchFamily="34" charset="-120"/>
-              <a:ea typeface="微軟正黑體" pitchFamily="34" charset="-120"/>
+              <a:latin typeface="Microsoft JhengHei" pitchFamily="34" charset="-120"/>
+              <a:ea typeface="Microsoft JhengHei" pitchFamily="34" charset="-120"/>
             </a:endParaRPr>
           </a:p>
           <a:p>
-            <a:pPr algn="ctr">
+            <a:pPr marL="0" indent="0" algn="ctr">
               <a:buNone/>
             </a:pPr>
             <a:r>
-              <a:rPr lang="zh-TW" altLang="en-US" sz="5400" b="1" dirty="0" smtClean="0">
-                <a:solidFill>
-                  <a:srgbClr val="660033"/>
-                </a:solidFill>
-                <a:latin typeface="微軟正黑體" pitchFamily="34" charset="-120"/>
-                <a:ea typeface="微軟正黑體" pitchFamily="34" charset="-120"/>
-              </a:rPr>
-              <a:t>主</a:t>
-            </a:r>
-            <a:r>
               <a:rPr lang="zh-TW" altLang="en-US" sz="5400" b="1" dirty="0">
                 <a:solidFill>
-                  <a:srgbClr val="660033"/>
-                </a:solidFill>
-                <a:latin typeface="微軟正黑體" pitchFamily="34" charset="-120"/>
-                <a:ea typeface="微軟正黑體" pitchFamily="34" charset="-120"/>
-              </a:rPr>
-              <a:t>你是偉大完美</a:t>
-            </a:r>
+                  <a:srgbClr val="002060"/>
+                </a:solidFill>
+                <a:latin typeface="Microsoft JhengHei" pitchFamily="34" charset="-120"/>
+                <a:ea typeface="Microsoft JhengHei" pitchFamily="34" charset="-120"/>
+              </a:rPr>
+              <a:t>誰還以愛驅走心裡懼怕怯懦</a:t>
+            </a:r>
+            <a:endParaRPr lang="en-US" altLang="zh-TW" sz="5400" b="1" dirty="0">
+              <a:solidFill>
+                <a:srgbClr val="002060"/>
+              </a:solidFill>
+              <a:latin typeface="Microsoft JhengHei" pitchFamily="34" charset="-120"/>
+              <a:ea typeface="Microsoft JhengHei" pitchFamily="34" charset="-120"/>
+            </a:endParaRPr>
+          </a:p>
+          <a:p>
+            <a:pPr marL="0" indent="0" algn="ctr">
+              <a:buNone/>
+            </a:pPr>
+            <a:r>
+              <a:rPr lang="zh-TW" altLang="en-US" sz="5400" b="1" dirty="0">
+                <a:solidFill>
+                  <a:srgbClr val="002060"/>
+                </a:solidFill>
+                <a:latin typeface="Microsoft JhengHei" pitchFamily="34" charset="-120"/>
+                <a:ea typeface="Microsoft JhengHei" pitchFamily="34" charset="-120"/>
+              </a:rPr>
+              <a:t>那懼路途捲動著漩渦</a:t>
+            </a:r>
+            <a:endParaRPr lang="en-US" sz="5400" b="1" dirty="0">
+              <a:solidFill>
+                <a:srgbClr val="002060"/>
+              </a:solidFill>
+              <a:latin typeface="Microsoft JhengHei" pitchFamily="34" charset="-120"/>
+              <a:ea typeface="Microsoft JhengHei" pitchFamily="34" charset="-120"/>
+            </a:endParaRPr>
           </a:p>
         </p:txBody>
       </p:sp>
     </p:spTree>
     <p:extLst>
       <p:ext uri="{BB962C8B-B14F-4D97-AF65-F5344CB8AC3E}">
-        <p14:creationId xmlns:p14="http://schemas.microsoft.com/office/powerpoint/2010/main" val="590650946"/>
+        <p14:creationId xmlns="" xmlns:p14="http://schemas.microsoft.com/office/powerpoint/2010/main" val="2289785722"/>
       </p:ext>
     </p:extLst>
   </p:cSld>
   <p:clrMapOvr>
     <a:masterClrMapping/>
   </p:clrMapOvr>
+  <p:timing>
+    <p:tnLst>
+      <p:par>
+        <p:cTn id="1" dur="indefinite" restart="never" nodeType="tmRoot"/>
+      </p:par>
+    </p:tnLst>
+  </p:timing>
 </p:sld>
 </file>
 
@@ -4215,7 +4305,7 @@
       </p:grpSpPr>
       <p:sp>
         <p:nvSpPr>
-          <p:cNvPr id="4" name="標題 3"/>
+          <p:cNvPr id="2" name="Title 1"/>
           <p:cNvSpPr>
             <a:spLocks noGrp="1"/>
           </p:cNvSpPr>
@@ -4229,21 +4319,28 @@
           <a:lstStyle/>
           <a:p>
             <a:r>
-              <a:rPr lang="zh-TW" altLang="en-US" b="1" dirty="0">
-                <a:solidFill>
-                  <a:srgbClr val="660033"/>
-                </a:solidFill>
-                <a:latin typeface="微軟正黑體" pitchFamily="34" charset="-120"/>
-                <a:ea typeface="微軟正黑體" pitchFamily="34" charset="-120"/>
-              </a:rPr>
-              <a:t>獻給我天上的主</a:t>
-            </a:r>
-          </a:p>
-        </p:txBody>
-      </p:sp>
-      <p:sp>
-        <p:nvSpPr>
-          <p:cNvPr id="5" name="內容版面配置區 4"/>
+              <a:rPr lang="zh-CN" altLang="en-US" b="1" dirty="0">
+                <a:solidFill>
+                  <a:srgbClr val="002060"/>
+                </a:solidFill>
+                <a:latin typeface="Microsoft JhengHei" pitchFamily="34" charset="-120"/>
+                <a:ea typeface="Microsoft JhengHei" pitchFamily="34" charset="-120"/>
+              </a:rPr>
+              <a:t>誰曾應許</a:t>
+            </a:r>
+            <a:endParaRPr lang="en-US" b="1" dirty="0">
+              <a:solidFill>
+                <a:srgbClr val="002060"/>
+              </a:solidFill>
+              <a:latin typeface="Microsoft JhengHei" pitchFamily="34" charset="-120"/>
+              <a:ea typeface="Microsoft JhengHei" pitchFamily="34" charset="-120"/>
+            </a:endParaRPr>
+          </a:p>
+        </p:txBody>
+      </p:sp>
+      <p:sp>
+        <p:nvSpPr>
+          <p:cNvPr id="3" name="Content Placeholder 2"/>
           <p:cNvSpPr>
             <a:spLocks noGrp="1"/>
           </p:cNvSpPr>
@@ -4251,165 +4348,102 @@
             <p:ph idx="1"/>
           </p:nvPr>
         </p:nvSpPr>
-        <p:spPr/>
+        <p:spPr>
+          <a:xfrm>
+            <a:off x="0" y="1600200"/>
+            <a:ext cx="9144000" cy="4525963"/>
+          </a:xfrm>
+        </p:spPr>
         <p:txBody>
           <a:bodyPr>
-            <a:normAutofit/>
+            <a:noAutofit/>
           </a:bodyPr>
           <a:lstStyle/>
           <a:p>
-            <a:pPr algn="ctr">
+            <a:pPr marL="0" indent="0" algn="ctr">
               <a:buNone/>
             </a:pPr>
             <a:r>
               <a:rPr lang="zh-TW" altLang="en-US" sz="5400" b="1" dirty="0">
                 <a:solidFill>
-                  <a:srgbClr val="660033"/>
-                </a:solidFill>
-                <a:latin typeface="微軟正黑體" pitchFamily="34" charset="-120"/>
-                <a:ea typeface="微軟正黑體" pitchFamily="34" charset="-120"/>
-              </a:rPr>
-              <a:t>在我心中有數不盡</a:t>
-            </a:r>
-            <a:r>
-              <a:rPr lang="zh-TW" altLang="en-US" sz="5400" b="1" dirty="0" smtClean="0">
-                <a:solidFill>
-                  <a:srgbClr val="660033"/>
-                </a:solidFill>
-                <a:latin typeface="微軟正黑體" pitchFamily="34" charset="-120"/>
-                <a:ea typeface="微軟正黑體" pitchFamily="34" charset="-120"/>
-              </a:rPr>
-              <a:t>感恩</a:t>
-            </a:r>
-            <a:endParaRPr lang="en-US" altLang="zh-TW" sz="5400" b="1" dirty="0" smtClean="0">
-              <a:solidFill>
-                <a:srgbClr val="660033"/>
-              </a:solidFill>
-              <a:latin typeface="微軟正黑體" pitchFamily="34" charset="-120"/>
-              <a:ea typeface="微軟正黑體" pitchFamily="34" charset="-120"/>
-            </a:endParaRPr>
-          </a:p>
-          <a:p>
-            <a:pPr algn="ctr">
-              <a:buNone/>
-            </a:pPr>
-            <a:r>
-              <a:rPr lang="zh-TW" altLang="en-US" sz="5400" b="1" dirty="0" smtClean="0">
-                <a:solidFill>
-                  <a:srgbClr val="660033"/>
-                </a:solidFill>
-                <a:latin typeface="微軟正黑體" pitchFamily="34" charset="-120"/>
-                <a:ea typeface="微軟正黑體" pitchFamily="34" charset="-120"/>
-              </a:rPr>
-              <a:t>來</a:t>
-            </a:r>
-            <a:r>
-              <a:rPr lang="zh-TW" altLang="en-US" sz="5400" b="1" dirty="0">
-                <a:solidFill>
-                  <a:srgbClr val="660033"/>
-                </a:solidFill>
-                <a:latin typeface="微軟正黑體" pitchFamily="34" charset="-120"/>
-                <a:ea typeface="微軟正黑體" pitchFamily="34" charset="-120"/>
-              </a:rPr>
-              <a:t>呈獻給我天上恩</a:t>
-            </a:r>
-            <a:r>
-              <a:rPr lang="zh-TW" altLang="en-US" sz="5400" b="1" dirty="0" smtClean="0">
-                <a:solidFill>
-                  <a:srgbClr val="660033"/>
-                </a:solidFill>
-                <a:latin typeface="微軟正黑體" pitchFamily="34" charset="-120"/>
-                <a:ea typeface="微軟正黑體" pitchFamily="34" charset="-120"/>
-              </a:rPr>
-              <a:t>主</a:t>
+                  <a:srgbClr val="002060"/>
+                </a:solidFill>
+                <a:latin typeface="Microsoft JhengHei" pitchFamily="34" charset="-120"/>
+                <a:ea typeface="Microsoft JhengHei" pitchFamily="34" charset="-120"/>
+              </a:rPr>
+              <a:t>因你是我主我避難所</a:t>
             </a:r>
             <a:endParaRPr lang="en-US" altLang="zh-TW" sz="5400" b="1" dirty="0">
               <a:solidFill>
-                <a:srgbClr val="660033"/>
+                <a:srgbClr val="002060"/>
               </a:solidFill>
-              <a:latin typeface="微軟正黑體" pitchFamily="34" charset="-120"/>
-              <a:ea typeface="微軟正黑體" pitchFamily="34" charset="-120"/>
+              <a:latin typeface="Microsoft JhengHei" pitchFamily="34" charset="-120"/>
+              <a:ea typeface="Microsoft JhengHei" pitchFamily="34" charset="-120"/>
             </a:endParaRPr>
           </a:p>
           <a:p>
-            <a:pPr algn="ctr">
+            <a:pPr marL="0" indent="0" algn="ctr">
               <a:buNone/>
             </a:pPr>
             <a:r>
-              <a:rPr lang="zh-TW" altLang="en-US" sz="5400" b="1" dirty="0" smtClean="0">
-                <a:solidFill>
-                  <a:srgbClr val="660033"/>
-                </a:solidFill>
-                <a:latin typeface="微軟正黑體" pitchFamily="34" charset="-120"/>
-                <a:ea typeface="微軟正黑體" pitchFamily="34" charset="-120"/>
-              </a:rPr>
-              <a:t>願</a:t>
-            </a:r>
-            <a:r>
               <a:rPr lang="zh-TW" altLang="en-US" sz="5400" b="1" dirty="0">
                 <a:solidFill>
-                  <a:srgbClr val="660033"/>
-                </a:solidFill>
-                <a:latin typeface="微軟正黑體" pitchFamily="34" charset="-120"/>
-                <a:ea typeface="微軟正黑體" pitchFamily="34" charset="-120"/>
-              </a:rPr>
-              <a:t>見證傳揚主恩典多麼</a:t>
-            </a:r>
-            <a:r>
-              <a:rPr lang="zh-TW" altLang="en-US" sz="5400" b="1" dirty="0" smtClean="0">
-                <a:solidFill>
-                  <a:srgbClr val="660033"/>
-                </a:solidFill>
-                <a:latin typeface="微軟正黑體" pitchFamily="34" charset="-120"/>
-                <a:ea typeface="微軟正黑體" pitchFamily="34" charset="-120"/>
-              </a:rPr>
-              <a:t>美</a:t>
-            </a:r>
-            <a:endParaRPr lang="en-US" altLang="zh-TW" sz="5400" b="1" dirty="0" smtClean="0">
+                  <a:srgbClr val="002060"/>
+                </a:solidFill>
+                <a:latin typeface="Microsoft JhengHei" pitchFamily="34" charset="-120"/>
+                <a:ea typeface="Microsoft JhengHei" pitchFamily="34" charset="-120"/>
+              </a:rPr>
+              <a:t>我盾牌和詩歌</a:t>
+            </a:r>
+            <a:endParaRPr lang="en-US" altLang="zh-TW" sz="5400" b="1" dirty="0">
               <a:solidFill>
-                <a:srgbClr val="660033"/>
+                <a:srgbClr val="002060"/>
               </a:solidFill>
-              <a:latin typeface="微軟正黑體" pitchFamily="34" charset="-120"/>
-              <a:ea typeface="微軟正黑體" pitchFamily="34" charset="-120"/>
+              <a:latin typeface="Microsoft JhengHei" pitchFamily="34" charset="-120"/>
+              <a:ea typeface="Microsoft JhengHei" pitchFamily="34" charset="-120"/>
             </a:endParaRPr>
           </a:p>
           <a:p>
-            <a:pPr algn="ctr">
+            <a:pPr marL="0" indent="0" algn="ctr">
               <a:buNone/>
             </a:pPr>
             <a:r>
-              <a:rPr lang="zh-TW" altLang="en-US" sz="5400" b="1" dirty="0" smtClean="0">
-                <a:solidFill>
-                  <a:srgbClr val="660033"/>
-                </a:solidFill>
-                <a:latin typeface="微軟正黑體" pitchFamily="34" charset="-120"/>
-                <a:ea typeface="微軟正黑體" pitchFamily="34" charset="-120"/>
-              </a:rPr>
-              <a:t>感激</a:t>
-            </a:r>
-            <a:r>
               <a:rPr lang="zh-TW" altLang="en-US" sz="5400" b="1" dirty="0">
                 <a:solidFill>
-                  <a:srgbClr val="660033"/>
-                </a:solidFill>
-                <a:latin typeface="微軟正黑體" pitchFamily="34" charset="-120"/>
-                <a:ea typeface="微軟正黑體" pitchFamily="34" charset="-120"/>
-              </a:rPr>
-              <a:t>你常顧念扶持</a:t>
-            </a:r>
+                  <a:srgbClr val="002060"/>
+                </a:solidFill>
+                <a:latin typeface="Microsoft JhengHei" pitchFamily="34" charset="-120"/>
+                <a:ea typeface="Microsoft JhengHei" pitchFamily="34" charset="-120"/>
+              </a:rPr>
+              <a:t>你是我的高臺我隨時幫助</a:t>
+            </a:r>
+            <a:endParaRPr lang="en-US" sz="5400" b="1" dirty="0">
+              <a:solidFill>
+                <a:srgbClr val="002060"/>
+              </a:solidFill>
+              <a:latin typeface="Microsoft JhengHei" pitchFamily="34" charset="-120"/>
+              <a:ea typeface="Microsoft JhengHei" pitchFamily="34" charset="-120"/>
+            </a:endParaRPr>
           </a:p>
         </p:txBody>
       </p:sp>
     </p:spTree>
     <p:extLst>
       <p:ext uri="{BB962C8B-B14F-4D97-AF65-F5344CB8AC3E}">
-        <p14:creationId xmlns:p14="http://schemas.microsoft.com/office/powerpoint/2010/main" val="4068326984"/>
+        <p14:creationId xmlns="" xmlns:p14="http://schemas.microsoft.com/office/powerpoint/2010/main" val="2400791467"/>
       </p:ext>
     </p:extLst>
   </p:cSld>
   <p:clrMapOvr>
     <a:masterClrMapping/>
   </p:clrMapOvr>
+  <p:timing>
+    <p:tnLst>
+      <p:par>
+        <p:cTn id="1" dur="indefinite" restart="never" nodeType="tmRoot"/>
+      </p:par>
+    </p:tnLst>
+  </p:timing>
 </p:sld>
 </file>
 
@@ -4432,7 +4466,7 @@
       </p:grpSpPr>
       <p:sp>
         <p:nvSpPr>
-          <p:cNvPr id="4" name="標題 3"/>
+          <p:cNvPr id="2" name="Title 1"/>
           <p:cNvSpPr>
             <a:spLocks noGrp="1"/>
           </p:cNvSpPr>
@@ -4446,21 +4480,28 @@
           <a:lstStyle/>
           <a:p>
             <a:r>
-              <a:rPr lang="zh-TW" altLang="en-US" b="1" dirty="0">
-                <a:solidFill>
-                  <a:srgbClr val="660033"/>
-                </a:solidFill>
-                <a:latin typeface="微軟正黑體" pitchFamily="34" charset="-120"/>
-                <a:ea typeface="微軟正黑體" pitchFamily="34" charset="-120"/>
-              </a:rPr>
-              <a:t>獻給我天上的主</a:t>
-            </a:r>
-          </a:p>
-        </p:txBody>
-      </p:sp>
-      <p:sp>
-        <p:nvSpPr>
-          <p:cNvPr id="5" name="內容版面配置區 4"/>
+              <a:rPr lang="zh-CN" altLang="en-US" b="1" dirty="0">
+                <a:solidFill>
+                  <a:srgbClr val="002060"/>
+                </a:solidFill>
+                <a:latin typeface="Microsoft JhengHei" pitchFamily="34" charset="-120"/>
+                <a:ea typeface="Microsoft JhengHei" pitchFamily="34" charset="-120"/>
+              </a:rPr>
+              <a:t>誰曾應許</a:t>
+            </a:r>
+            <a:endParaRPr lang="en-US" b="1" dirty="0">
+              <a:solidFill>
+                <a:srgbClr val="002060"/>
+              </a:solidFill>
+              <a:latin typeface="Microsoft JhengHei" pitchFamily="34" charset="-120"/>
+              <a:ea typeface="Microsoft JhengHei" pitchFamily="34" charset="-120"/>
+            </a:endParaRPr>
+          </a:p>
+        </p:txBody>
+      </p:sp>
+      <p:sp>
+        <p:nvSpPr>
+          <p:cNvPr id="3" name="Content Placeholder 2"/>
           <p:cNvSpPr>
             <a:spLocks noGrp="1"/>
           </p:cNvSpPr>
@@ -4476,300 +4517,116 @@
         </p:spPr>
         <p:txBody>
           <a:bodyPr>
-            <a:normAutofit/>
+            <a:noAutofit/>
           </a:bodyPr>
           <a:lstStyle/>
           <a:p>
-            <a:pPr algn="ctr">
+            <a:pPr marL="0" indent="0" algn="ctr">
               <a:buNone/>
             </a:pPr>
             <a:r>
               <a:rPr lang="zh-TW" altLang="en-US" sz="5400" b="1" dirty="0">
                 <a:solidFill>
-                  <a:srgbClr val="660033"/>
-                </a:solidFill>
-                <a:latin typeface="微軟正黑體" pitchFamily="34" charset="-120"/>
-                <a:ea typeface="微軟正黑體" pitchFamily="34" charset="-120"/>
-              </a:rPr>
-              <a:t>齊真心呈獻讚美給</a:t>
-            </a:r>
-            <a:r>
-              <a:rPr lang="zh-TW" altLang="en-US" sz="5400" b="1" dirty="0" smtClean="0">
-                <a:solidFill>
-                  <a:srgbClr val="660033"/>
-                </a:solidFill>
-                <a:latin typeface="微軟正黑體" pitchFamily="34" charset="-120"/>
-                <a:ea typeface="微軟正黑體" pitchFamily="34" charset="-120"/>
-              </a:rPr>
-              <a:t>你</a:t>
-            </a:r>
-            <a:endParaRPr lang="en-US" altLang="zh-TW" sz="5400" b="1" dirty="0" smtClean="0">
-              <a:solidFill>
-                <a:srgbClr val="660033"/>
-              </a:solidFill>
-              <a:latin typeface="微軟正黑體" pitchFamily="34" charset="-120"/>
-              <a:ea typeface="微軟正黑體" pitchFamily="34" charset="-120"/>
-            </a:endParaRPr>
-          </a:p>
-          <a:p>
-            <a:pPr algn="ctr">
-              <a:buNone/>
-            </a:pPr>
-            <a:r>
-              <a:rPr lang="zh-TW" altLang="en-US" sz="5400" b="1" dirty="0" smtClean="0">
-                <a:solidFill>
-                  <a:srgbClr val="660033"/>
-                </a:solidFill>
-                <a:latin typeface="微軟正黑體" pitchFamily="34" charset="-120"/>
-                <a:ea typeface="微軟正黑體" pitchFamily="34" charset="-120"/>
-              </a:rPr>
-              <a:t>盡</a:t>
-            </a:r>
-            <a:r>
-              <a:rPr lang="zh-TW" altLang="en-US" sz="5400" b="1" dirty="0">
-                <a:solidFill>
-                  <a:srgbClr val="660033"/>
-                </a:solidFill>
-                <a:latin typeface="微軟正黑體" pitchFamily="34" charset="-120"/>
-                <a:ea typeface="微軟正黑體" pitchFamily="34" charset="-120"/>
-              </a:rPr>
-              <a:t>我心意頌唱每篇的</a:t>
-            </a:r>
-            <a:r>
-              <a:rPr lang="zh-TW" altLang="en-US" sz="5400" b="1" dirty="0" smtClean="0">
-                <a:solidFill>
-                  <a:srgbClr val="660033"/>
-                </a:solidFill>
-                <a:latin typeface="微軟正黑體" pitchFamily="34" charset="-120"/>
-                <a:ea typeface="微軟正黑體" pitchFamily="34" charset="-120"/>
-              </a:rPr>
-              <a:t>詩句</a:t>
+                  <a:srgbClr val="002060"/>
+                </a:solidFill>
+                <a:latin typeface="Microsoft JhengHei" pitchFamily="34" charset="-120"/>
+                <a:ea typeface="Microsoft JhengHei" pitchFamily="34" charset="-120"/>
+              </a:rPr>
+              <a:t>來吧   用信心讚頌和高歌</a:t>
             </a:r>
             <a:endParaRPr lang="en-US" altLang="zh-TW" sz="5400" b="1" dirty="0">
               <a:solidFill>
-                <a:srgbClr val="660033"/>
+                <a:srgbClr val="002060"/>
               </a:solidFill>
-              <a:latin typeface="微軟正黑體" pitchFamily="34" charset="-120"/>
-              <a:ea typeface="微軟正黑體" pitchFamily="34" charset="-120"/>
+              <a:latin typeface="Microsoft JhengHei" pitchFamily="34" charset="-120"/>
+              <a:ea typeface="Microsoft JhengHei" pitchFamily="34" charset="-120"/>
             </a:endParaRPr>
           </a:p>
           <a:p>
-            <a:pPr algn="ctr">
+            <a:pPr marL="0" indent="0" algn="ctr">
               <a:buNone/>
             </a:pPr>
             <a:r>
-              <a:rPr lang="zh-TW" altLang="en-US" sz="5400" b="1" dirty="0" smtClean="0">
-                <a:solidFill>
-                  <a:srgbClr val="660033"/>
-                </a:solidFill>
-                <a:latin typeface="微軟正黑體" pitchFamily="34" charset="-120"/>
-                <a:ea typeface="微軟正黑體" pitchFamily="34" charset="-120"/>
-              </a:rPr>
-              <a:t>齊</a:t>
-            </a:r>
-            <a:r>
               <a:rPr lang="zh-TW" altLang="en-US" sz="5400" b="1" dirty="0">
                 <a:solidFill>
-                  <a:srgbClr val="660033"/>
-                </a:solidFill>
-                <a:latin typeface="微軟正黑體" pitchFamily="34" charset="-120"/>
-                <a:ea typeface="微軟正黑體" pitchFamily="34" charset="-120"/>
-              </a:rPr>
-              <a:t>舉手呈獻敬拜永遠歸給</a:t>
-            </a:r>
-            <a:r>
-              <a:rPr lang="zh-TW" altLang="en-US" sz="5400" b="1" dirty="0" smtClean="0">
-                <a:solidFill>
-                  <a:srgbClr val="660033"/>
-                </a:solidFill>
-                <a:latin typeface="微軟正黑體" pitchFamily="34" charset="-120"/>
-                <a:ea typeface="微軟正黑體" pitchFamily="34" charset="-120"/>
-              </a:rPr>
-              <a:t>你</a:t>
-            </a:r>
-            <a:endParaRPr lang="en-US" altLang="zh-TW" sz="5400" b="1" dirty="0" smtClean="0">
+                  <a:srgbClr val="002060"/>
+                </a:solidFill>
+                <a:latin typeface="Microsoft JhengHei" pitchFamily="34" charset="-120"/>
+                <a:ea typeface="Microsoft JhengHei" pitchFamily="34" charset="-120"/>
+              </a:rPr>
+              <a:t>你永在我心窩</a:t>
+            </a:r>
+            <a:endParaRPr lang="en-US" altLang="zh-TW" sz="5400" b="1" dirty="0">
               <a:solidFill>
-                <a:srgbClr val="660033"/>
+                <a:srgbClr val="002060"/>
               </a:solidFill>
-              <a:latin typeface="微軟正黑體" pitchFamily="34" charset="-120"/>
-              <a:ea typeface="微軟正黑體" pitchFamily="34" charset="-120"/>
+              <a:latin typeface="Microsoft JhengHei" pitchFamily="34" charset="-120"/>
+              <a:ea typeface="Microsoft JhengHei" pitchFamily="34" charset="-120"/>
             </a:endParaRPr>
           </a:p>
           <a:p>
-            <a:pPr algn="ctr">
+            <a:pPr marL="0" indent="0" algn="ctr">
               <a:buNone/>
             </a:pPr>
             <a:r>
-              <a:rPr lang="zh-TW" altLang="en-US" sz="5400" b="1" dirty="0" smtClean="0">
-                <a:solidFill>
-                  <a:srgbClr val="660033"/>
-                </a:solidFill>
-                <a:latin typeface="微軟正黑體" pitchFamily="34" charset="-120"/>
-                <a:ea typeface="微軟正黑體" pitchFamily="34" charset="-120"/>
-              </a:rPr>
-              <a:t>為</a:t>
-            </a:r>
-            <a:r>
               <a:rPr lang="zh-TW" altLang="en-US" sz="5400" b="1" dirty="0">
                 <a:solidFill>
-                  <a:srgbClr val="660033"/>
-                </a:solidFill>
-                <a:latin typeface="微軟正黑體" pitchFamily="34" charset="-120"/>
-                <a:ea typeface="微軟正黑體" pitchFamily="34" charset="-120"/>
-              </a:rPr>
-              <a:t>你我獻上頌讚</a:t>
-            </a:r>
+                  <a:srgbClr val="002060"/>
+                </a:solidFill>
+                <a:latin typeface="Microsoft JhengHei" pitchFamily="34" charset="-120"/>
+                <a:ea typeface="Microsoft JhengHei" pitchFamily="34" charset="-120"/>
+              </a:rPr>
+              <a:t>唯你有永生江河</a:t>
+            </a:r>
+            <a:endParaRPr lang="en-US" altLang="zh-TW" sz="5400" b="1" dirty="0">
+              <a:solidFill>
+                <a:srgbClr val="002060"/>
+              </a:solidFill>
+              <a:latin typeface="Microsoft JhengHei" pitchFamily="34" charset="-120"/>
+              <a:ea typeface="Microsoft JhengHei" pitchFamily="34" charset="-120"/>
+            </a:endParaRPr>
+          </a:p>
+          <a:p>
+            <a:pPr marL="0" indent="0" algn="ctr">
+              <a:buNone/>
+            </a:pPr>
+            <a:r>
+              <a:rPr lang="zh-TW" altLang="en-US" sz="5400" b="1" dirty="0">
+                <a:solidFill>
+                  <a:srgbClr val="002060"/>
+                </a:solidFill>
+                <a:latin typeface="Microsoft JhengHei" pitchFamily="34" charset="-120"/>
+                <a:ea typeface="Microsoft JhengHei" pitchFamily="34" charset="-120"/>
+              </a:rPr>
+              <a:t>除你以外不倚靠別個</a:t>
+            </a:r>
+            <a:endParaRPr lang="en-US" sz="5400" b="1" dirty="0">
+              <a:solidFill>
+                <a:srgbClr val="002060"/>
+              </a:solidFill>
+              <a:latin typeface="Microsoft JhengHei" pitchFamily="34" charset="-120"/>
+              <a:ea typeface="Microsoft JhengHei" pitchFamily="34" charset="-120"/>
+            </a:endParaRPr>
           </a:p>
         </p:txBody>
       </p:sp>
     </p:spTree>
     <p:extLst>
       <p:ext uri="{BB962C8B-B14F-4D97-AF65-F5344CB8AC3E}">
-        <p14:creationId xmlns:p14="http://schemas.microsoft.com/office/powerpoint/2010/main" val="320670225"/>
+        <p14:creationId xmlns="" xmlns:p14="http://schemas.microsoft.com/office/powerpoint/2010/main" val="3438290738"/>
       </p:ext>
     </p:extLst>
   </p:cSld>
   <p:clrMapOvr>
     <a:masterClrMapping/>
   </p:clrMapOvr>
-</p:sld>
-</file>
-
-<file path=ppt/slides/slide9.xml><?xml version="1.0" encoding="utf-8"?>
-<p:sld xmlns:a="http://schemas.openxmlformats.org/drawingml/2006/main" xmlns:r="http://schemas.openxmlformats.org/officeDocument/2006/relationships" xmlns:p="http://schemas.openxmlformats.org/presentationml/2006/main">
-  <p:cSld>
-    <p:spTree>
-      <p:nvGrpSpPr>
-        <p:cNvPr id="1" name=""/>
-        <p:cNvGrpSpPr/>
-        <p:nvPr/>
-      </p:nvGrpSpPr>
-      <p:grpSpPr>
-        <a:xfrm>
-          <a:off x="0" y="0"/>
-          <a:ext cx="0" cy="0"/>
-          <a:chOff x="0" y="0"/>
-          <a:chExt cx="0" cy="0"/>
-        </a:xfrm>
-      </p:grpSpPr>
-      <p:sp>
-        <p:nvSpPr>
-          <p:cNvPr id="4" name="標題 3"/>
-          <p:cNvSpPr>
-            <a:spLocks noGrp="1"/>
-          </p:cNvSpPr>
-          <p:nvPr>
-            <p:ph type="title"/>
-          </p:nvPr>
-        </p:nvSpPr>
-        <p:spPr/>
-        <p:txBody>
-          <a:bodyPr/>
-          <a:lstStyle/>
-          <a:p>
-            <a:r>
-              <a:rPr lang="zh-TW" altLang="en-US" b="1" dirty="0">
-                <a:solidFill>
-                  <a:srgbClr val="660033"/>
-                </a:solidFill>
-                <a:latin typeface="微軟正黑體" pitchFamily="34" charset="-120"/>
-                <a:ea typeface="微軟正黑體" pitchFamily="34" charset="-120"/>
-              </a:rPr>
-              <a:t>獻給我天上的主</a:t>
-            </a:r>
-          </a:p>
-        </p:txBody>
-      </p:sp>
-      <p:sp>
-        <p:nvSpPr>
-          <p:cNvPr id="5" name="內容版面配置區 4"/>
-          <p:cNvSpPr>
-            <a:spLocks noGrp="1"/>
-          </p:cNvSpPr>
-          <p:nvPr>
-            <p:ph idx="1"/>
-          </p:nvPr>
-        </p:nvSpPr>
-        <p:spPr>
-          <a:xfrm>
-            <a:off x="0" y="1600200"/>
-            <a:ext cx="9144000" cy="4525963"/>
-          </a:xfrm>
-        </p:spPr>
-        <p:txBody>
-          <a:bodyPr>
-            <a:normAutofit/>
-          </a:bodyPr>
-          <a:lstStyle/>
-          <a:p>
-            <a:pPr algn="ctr">
-              <a:buNone/>
-            </a:pPr>
-            <a:r>
-              <a:rPr lang="zh-TW" altLang="en-US" sz="5400" b="1" dirty="0">
-                <a:solidFill>
-                  <a:srgbClr val="660033"/>
-                </a:solidFill>
-                <a:latin typeface="微軟正黑體" pitchFamily="34" charset="-120"/>
-                <a:ea typeface="微軟正黑體" pitchFamily="34" charset="-120"/>
-              </a:rPr>
-              <a:t>為你我獻作活</a:t>
-            </a:r>
-            <a:r>
-              <a:rPr lang="zh-TW" altLang="en-US" sz="5400" b="1" dirty="0" smtClean="0">
-                <a:solidFill>
-                  <a:srgbClr val="660033"/>
-                </a:solidFill>
-                <a:latin typeface="微軟正黑體" pitchFamily="34" charset="-120"/>
-                <a:ea typeface="微軟正黑體" pitchFamily="34" charset="-120"/>
-              </a:rPr>
-              <a:t>祭</a:t>
-            </a:r>
-            <a:endParaRPr lang="en-US" altLang="zh-TW" sz="5400" b="1" dirty="0" smtClean="0">
-              <a:solidFill>
-                <a:srgbClr val="660033"/>
-              </a:solidFill>
-              <a:latin typeface="微軟正黑體" pitchFamily="34" charset="-120"/>
-              <a:ea typeface="微軟正黑體" pitchFamily="34" charset="-120"/>
-            </a:endParaRPr>
-          </a:p>
-          <a:p>
-            <a:pPr algn="ctr">
-              <a:buNone/>
-            </a:pPr>
-            <a:r>
-              <a:rPr lang="zh-TW" altLang="en-US" sz="5400" b="1" dirty="0" smtClean="0">
-                <a:solidFill>
-                  <a:srgbClr val="660033"/>
-                </a:solidFill>
-                <a:latin typeface="微軟正黑體" pitchFamily="34" charset="-120"/>
-                <a:ea typeface="微軟正黑體" pitchFamily="34" charset="-120"/>
-              </a:rPr>
-              <a:t>讓</a:t>
-            </a:r>
-            <a:r>
-              <a:rPr lang="zh-TW" altLang="en-US" sz="5400" b="1" dirty="0">
-                <a:solidFill>
-                  <a:srgbClr val="660033"/>
-                </a:solidFill>
-                <a:latin typeface="微軟正黑體" pitchFamily="34" charset="-120"/>
-                <a:ea typeface="微軟正黑體" pitchFamily="34" charset="-120"/>
-              </a:rPr>
-              <a:t>我永化作活祭</a:t>
-            </a:r>
-          </a:p>
-        </p:txBody>
-      </p:sp>
-    </p:spTree>
-    <p:extLst>
-      <p:ext uri="{BB962C8B-B14F-4D97-AF65-F5344CB8AC3E}">
-        <p14:creationId xmlns:p14="http://schemas.microsoft.com/office/powerpoint/2010/main" val="1074345646"/>
-      </p:ext>
-    </p:extLst>
-  </p:cSld>
-  <p:clrMapOvr>
-    <a:masterClrMapping/>
-  </p:clrMapOvr>
+  <p:timing>
+    <p:tnLst>
+      <p:par>
+        <p:cTn id="1" dur="indefinite" restart="never" nodeType="tmRoot"/>
+      </p:par>
+    </p:tnLst>
+  </p:timing>
 </p:sld>
 </file>
 

--- a/2019/1月/10-01-2019.pptx
+++ b/2019/1月/10-01-2019.pptx
@@ -296,7 +296,7 @@
             <a:fld id="{6D7D620A-7967-4BBB-A22E-C8B63F1148AA}" type="datetimeFigureOut">
               <a:rPr lang="en-US" smtClean="0"/>
               <a:pPr/>
-              <a:t>1/8/2019</a:t>
+              <a:t>1/13/2019</a:t>
             </a:fld>
             <a:endParaRPr lang="en-US"/>
           </a:p>
@@ -463,7 +463,7 @@
             <a:fld id="{6D7D620A-7967-4BBB-A22E-C8B63F1148AA}" type="datetimeFigureOut">
               <a:rPr lang="en-US" smtClean="0"/>
               <a:pPr/>
-              <a:t>1/8/2019</a:t>
+              <a:t>1/13/2019</a:t>
             </a:fld>
             <a:endParaRPr lang="en-US"/>
           </a:p>
@@ -640,7 +640,7 @@
             <a:fld id="{6D7D620A-7967-4BBB-A22E-C8B63F1148AA}" type="datetimeFigureOut">
               <a:rPr lang="en-US" smtClean="0"/>
               <a:pPr/>
-              <a:t>1/8/2019</a:t>
+              <a:t>1/13/2019</a:t>
             </a:fld>
             <a:endParaRPr lang="en-US"/>
           </a:p>
@@ -807,7 +807,7 @@
             <a:fld id="{6D7D620A-7967-4BBB-A22E-C8B63F1148AA}" type="datetimeFigureOut">
               <a:rPr lang="en-US" smtClean="0"/>
               <a:pPr/>
-              <a:t>1/8/2019</a:t>
+              <a:t>1/13/2019</a:t>
             </a:fld>
             <a:endParaRPr lang="en-US"/>
           </a:p>
@@ -1050,7 +1050,7 @@
             <a:fld id="{6D7D620A-7967-4BBB-A22E-C8B63F1148AA}" type="datetimeFigureOut">
               <a:rPr lang="en-US" smtClean="0"/>
               <a:pPr/>
-              <a:t>1/8/2019</a:t>
+              <a:t>1/13/2019</a:t>
             </a:fld>
             <a:endParaRPr lang="en-US"/>
           </a:p>
@@ -1335,7 +1335,7 @@
             <a:fld id="{6D7D620A-7967-4BBB-A22E-C8B63F1148AA}" type="datetimeFigureOut">
               <a:rPr lang="en-US" smtClean="0"/>
               <a:pPr/>
-              <a:t>1/8/2019</a:t>
+              <a:t>1/13/2019</a:t>
             </a:fld>
             <a:endParaRPr lang="en-US"/>
           </a:p>
@@ -1754,7 +1754,7 @@
             <a:fld id="{6D7D620A-7967-4BBB-A22E-C8B63F1148AA}" type="datetimeFigureOut">
               <a:rPr lang="en-US" smtClean="0"/>
               <a:pPr/>
-              <a:t>1/8/2019</a:t>
+              <a:t>1/13/2019</a:t>
             </a:fld>
             <a:endParaRPr lang="en-US"/>
           </a:p>
@@ -1869,7 +1869,7 @@
             <a:fld id="{6D7D620A-7967-4BBB-A22E-C8B63F1148AA}" type="datetimeFigureOut">
               <a:rPr lang="en-US" smtClean="0"/>
               <a:pPr/>
-              <a:t>1/8/2019</a:t>
+              <a:t>1/13/2019</a:t>
             </a:fld>
             <a:endParaRPr lang="en-US"/>
           </a:p>
@@ -1961,7 +1961,7 @@
             <a:fld id="{6D7D620A-7967-4BBB-A22E-C8B63F1148AA}" type="datetimeFigureOut">
               <a:rPr lang="en-US" smtClean="0"/>
               <a:pPr/>
-              <a:t>1/8/2019</a:t>
+              <a:t>1/13/2019</a:t>
             </a:fld>
             <a:endParaRPr lang="en-US"/>
           </a:p>
@@ -2235,7 +2235,7 @@
             <a:fld id="{6D7D620A-7967-4BBB-A22E-C8B63F1148AA}" type="datetimeFigureOut">
               <a:rPr lang="en-US" smtClean="0"/>
               <a:pPr/>
-              <a:t>1/8/2019</a:t>
+              <a:t>1/13/2019</a:t>
             </a:fld>
             <a:endParaRPr lang="en-US"/>
           </a:p>
@@ -2489,7 +2489,7 @@
             <a:fld id="{6D7D620A-7967-4BBB-A22E-C8B63F1148AA}" type="datetimeFigureOut">
               <a:rPr lang="en-US" smtClean="0"/>
               <a:pPr/>
-              <a:t>1/8/2019</a:t>
+              <a:t>1/13/2019</a:t>
             </a:fld>
             <a:endParaRPr lang="en-US"/>
           </a:p>
@@ -2704,7 +2704,7 @@
             <a:fld id="{6D7D620A-7967-4BBB-A22E-C8B63F1148AA}" type="datetimeFigureOut">
               <a:rPr lang="en-US" smtClean="0"/>
               <a:pPr/>
-              <a:t>1/8/2019</a:t>
+              <a:t>1/13/2019</a:t>
             </a:fld>
             <a:endParaRPr lang="en-US"/>
           </a:p>
@@ -3093,7 +3093,7 @@
             <a:r>
               <a:rPr lang="zh-CN" altLang="en-US" b="1" dirty="0" smtClean="0">
                 <a:solidFill>
-                  <a:srgbClr val="000066"/>
+                  <a:srgbClr val="660033"/>
                 </a:solidFill>
                 <a:latin typeface="微軟正黑體" pitchFamily="34" charset="-120"/>
                 <a:ea typeface="微軟正黑體" pitchFamily="34" charset="-120"/>
@@ -3102,7 +3102,7 @@
             </a:r>
             <a:endParaRPr lang="zh-TW" altLang="en-US" b="1" dirty="0">
               <a:solidFill>
-                <a:srgbClr val="000066"/>
+                <a:srgbClr val="660033"/>
               </a:solidFill>
               <a:latin typeface="微軟正黑體" pitchFamily="34" charset="-120"/>
               <a:ea typeface="微軟正黑體" pitchFamily="34" charset="-120"/>
@@ -3133,7 +3133,7 @@
             <a:r>
               <a:rPr lang="zh-TW" altLang="en-US" sz="5400" b="1" dirty="0" smtClean="0">
                 <a:solidFill>
-                  <a:srgbClr val="000066"/>
+                  <a:srgbClr val="660033"/>
                 </a:solidFill>
                 <a:latin typeface="微軟正黑體" pitchFamily="34" charset="-120"/>
                 <a:ea typeface="微軟正黑體" pitchFamily="34" charset="-120"/>
@@ -3142,7 +3142,7 @@
             </a:r>
             <a:endParaRPr lang="en-US" altLang="zh-TW" sz="5400" b="1" dirty="0" smtClean="0">
               <a:solidFill>
-                <a:srgbClr val="000066"/>
+                <a:srgbClr val="660033"/>
               </a:solidFill>
               <a:latin typeface="微軟正黑體" pitchFamily="34" charset="-120"/>
               <a:ea typeface="微軟正黑體" pitchFamily="34" charset="-120"/>
@@ -3155,7 +3155,7 @@
             <a:r>
               <a:rPr lang="zh-TW" altLang="en-US" sz="5400" b="1" dirty="0" smtClean="0">
                 <a:solidFill>
-                  <a:srgbClr val="000066"/>
+                  <a:srgbClr val="660033"/>
                 </a:solidFill>
                 <a:latin typeface="微軟正黑體" pitchFamily="34" charset="-120"/>
                 <a:ea typeface="微軟正黑體" pitchFamily="34" charset="-120"/>
@@ -3164,7 +3164,7 @@
             </a:r>
             <a:endParaRPr lang="en-US" altLang="zh-TW" sz="5400" b="1" dirty="0">
               <a:solidFill>
-                <a:srgbClr val="000066"/>
+                <a:srgbClr val="660033"/>
               </a:solidFill>
               <a:latin typeface="微軟正黑體" pitchFamily="34" charset="-120"/>
               <a:ea typeface="微軟正黑體" pitchFamily="34" charset="-120"/>
@@ -3177,7 +3177,7 @@
             <a:r>
               <a:rPr lang="zh-TW" altLang="en-US" sz="5400" b="1" dirty="0" smtClean="0">
                 <a:solidFill>
-                  <a:srgbClr val="000066"/>
+                  <a:srgbClr val="660033"/>
                 </a:solidFill>
                 <a:latin typeface="微軟正黑體" pitchFamily="34" charset="-120"/>
                 <a:ea typeface="微軟正黑體" pitchFamily="34" charset="-120"/>
@@ -3186,7 +3186,7 @@
             </a:r>
             <a:endParaRPr lang="en-US" altLang="zh-TW" sz="5400" b="1" dirty="0" smtClean="0">
               <a:solidFill>
-                <a:srgbClr val="000066"/>
+                <a:srgbClr val="660033"/>
               </a:solidFill>
               <a:latin typeface="微軟正黑體" pitchFamily="34" charset="-120"/>
               <a:ea typeface="微軟正黑體" pitchFamily="34" charset="-120"/>
@@ -3199,7 +3199,7 @@
             <a:r>
               <a:rPr lang="zh-TW" altLang="en-US" sz="5400" b="1" dirty="0" smtClean="0">
                 <a:solidFill>
-                  <a:srgbClr val="000066"/>
+                  <a:srgbClr val="660033"/>
                 </a:solidFill>
                 <a:latin typeface="微軟正黑體" pitchFamily="34" charset="-120"/>
                 <a:ea typeface="微軟正黑體" pitchFamily="34" charset="-120"/>
@@ -3208,7 +3208,7 @@
             </a:r>
             <a:endParaRPr lang="zh-TW" altLang="en-US" sz="5400" b="1" dirty="0">
               <a:solidFill>
-                <a:srgbClr val="000066"/>
+                <a:srgbClr val="660033"/>
               </a:solidFill>
               <a:latin typeface="微軟正黑體" pitchFamily="34" charset="-120"/>
               <a:ea typeface="微軟正黑體" pitchFamily="34" charset="-120"/>
@@ -3266,7 +3266,7 @@
             <a:r>
               <a:rPr lang="zh-CN" altLang="en-US" b="1" dirty="0" smtClean="0">
                 <a:solidFill>
-                  <a:srgbClr val="000066"/>
+                  <a:srgbClr val="660033"/>
                 </a:solidFill>
                 <a:latin typeface="微軟正黑體" pitchFamily="34" charset="-120"/>
                 <a:ea typeface="微軟正黑體" pitchFamily="34" charset="-120"/>
@@ -3275,7 +3275,7 @@
             </a:r>
             <a:endParaRPr lang="zh-TW" altLang="en-US" b="1" dirty="0">
               <a:solidFill>
-                <a:srgbClr val="000066"/>
+                <a:srgbClr val="660033"/>
               </a:solidFill>
               <a:latin typeface="微軟正黑體" pitchFamily="34" charset="-120"/>
               <a:ea typeface="微軟正黑體" pitchFamily="34" charset="-120"/>
@@ -3306,7 +3306,7 @@
             <a:r>
               <a:rPr lang="zh-TW" altLang="en-US" sz="5400" b="1" dirty="0" smtClean="0">
                 <a:solidFill>
-                  <a:srgbClr val="000066"/>
+                  <a:srgbClr val="660033"/>
                 </a:solidFill>
                 <a:latin typeface="微軟正黑體" pitchFamily="34" charset="-120"/>
                 <a:ea typeface="微軟正黑體" pitchFamily="34" charset="-120"/>
@@ -3315,7 +3315,7 @@
             </a:r>
             <a:endParaRPr lang="en-US" altLang="zh-TW" sz="5400" b="1" dirty="0" smtClean="0">
               <a:solidFill>
-                <a:srgbClr val="000066"/>
+                <a:srgbClr val="660033"/>
               </a:solidFill>
               <a:latin typeface="微軟正黑體" pitchFamily="34" charset="-120"/>
               <a:ea typeface="微軟正黑體" pitchFamily="34" charset="-120"/>
@@ -3328,7 +3328,7 @@
             <a:r>
               <a:rPr lang="zh-TW" altLang="en-US" sz="5400" b="1" dirty="0" smtClean="0">
                 <a:solidFill>
-                  <a:srgbClr val="000066"/>
+                  <a:srgbClr val="660033"/>
                 </a:solidFill>
                 <a:latin typeface="微軟正黑體" pitchFamily="34" charset="-120"/>
                 <a:ea typeface="微軟正黑體" pitchFamily="34" charset="-120"/>
@@ -3337,7 +3337,7 @@
             </a:r>
             <a:endParaRPr lang="en-US" altLang="zh-TW" sz="5400" b="1" dirty="0" smtClean="0">
               <a:solidFill>
-                <a:srgbClr val="000066"/>
+                <a:srgbClr val="660033"/>
               </a:solidFill>
               <a:latin typeface="微軟正黑體" pitchFamily="34" charset="-120"/>
               <a:ea typeface="微軟正黑體" pitchFamily="34" charset="-120"/>
@@ -3350,7 +3350,7 @@
             <a:r>
               <a:rPr lang="zh-TW" altLang="en-US" sz="5400" b="1" dirty="0" smtClean="0">
                 <a:solidFill>
-                  <a:srgbClr val="000066"/>
+                  <a:srgbClr val="660033"/>
                 </a:solidFill>
                 <a:latin typeface="微軟正黑體" pitchFamily="34" charset="-120"/>
                 <a:ea typeface="微軟正黑體" pitchFamily="34" charset="-120"/>
@@ -3359,7 +3359,7 @@
             </a:r>
             <a:endParaRPr lang="en-US" altLang="zh-TW" sz="5400" b="1" dirty="0" smtClean="0">
               <a:solidFill>
-                <a:srgbClr val="000066"/>
+                <a:srgbClr val="660033"/>
               </a:solidFill>
               <a:latin typeface="微軟正黑體" pitchFamily="34" charset="-120"/>
               <a:ea typeface="微軟正黑體" pitchFamily="34" charset="-120"/>
@@ -3372,7 +3372,7 @@
             <a:r>
               <a:rPr lang="zh-TW" altLang="en-US" sz="5400" b="1" dirty="0" smtClean="0">
                 <a:solidFill>
-                  <a:srgbClr val="000066"/>
+                  <a:srgbClr val="660033"/>
                 </a:solidFill>
                 <a:latin typeface="微軟正黑體" pitchFamily="34" charset="-120"/>
                 <a:ea typeface="微軟正黑體" pitchFamily="34" charset="-120"/>
@@ -3381,7 +3381,7 @@
             </a:r>
             <a:endParaRPr lang="zh-TW" altLang="en-US" sz="5400" b="1" dirty="0">
               <a:solidFill>
-                <a:srgbClr val="000066"/>
+                <a:srgbClr val="660033"/>
               </a:solidFill>
               <a:latin typeface="微軟正黑體" pitchFamily="34" charset="-120"/>
               <a:ea typeface="微軟正黑體" pitchFamily="34" charset="-120"/>
@@ -3439,7 +3439,7 @@
             <a:r>
               <a:rPr lang="zh-CN" altLang="en-US" b="1" dirty="0" smtClean="0">
                 <a:solidFill>
-                  <a:srgbClr val="000066"/>
+                  <a:srgbClr val="660033"/>
                 </a:solidFill>
                 <a:latin typeface="微軟正黑體" pitchFamily="34" charset="-120"/>
                 <a:ea typeface="微軟正黑體" pitchFamily="34" charset="-120"/>
@@ -3448,7 +3448,7 @@
             </a:r>
             <a:endParaRPr lang="zh-TW" altLang="en-US" b="1" dirty="0">
               <a:solidFill>
-                <a:srgbClr val="000066"/>
+                <a:srgbClr val="660033"/>
               </a:solidFill>
               <a:latin typeface="微軟正黑體" pitchFamily="34" charset="-120"/>
               <a:ea typeface="微軟正黑體" pitchFamily="34" charset="-120"/>
@@ -3484,7 +3484,7 @@
             <a:r>
               <a:rPr lang="zh-TW" altLang="en-US" sz="5400" b="1" dirty="0" smtClean="0">
                 <a:solidFill>
-                  <a:srgbClr val="000066"/>
+                  <a:srgbClr val="660033"/>
                 </a:solidFill>
                 <a:latin typeface="微軟正黑體" pitchFamily="34" charset="-120"/>
                 <a:ea typeface="微軟正黑體" pitchFamily="34" charset="-120"/>
@@ -3493,7 +3493,7 @@
             </a:r>
             <a:endParaRPr lang="en-US" altLang="zh-TW" sz="5400" b="1" dirty="0" smtClean="0">
               <a:solidFill>
-                <a:srgbClr val="000066"/>
+                <a:srgbClr val="660033"/>
               </a:solidFill>
               <a:latin typeface="微軟正黑體" pitchFamily="34" charset="-120"/>
               <a:ea typeface="微軟正黑體" pitchFamily="34" charset="-120"/>
@@ -3506,7 +3506,7 @@
             <a:r>
               <a:rPr lang="zh-TW" altLang="en-US" sz="5400" b="1" dirty="0" smtClean="0">
                 <a:solidFill>
-                  <a:srgbClr val="000066"/>
+                  <a:srgbClr val="660033"/>
                 </a:solidFill>
                 <a:latin typeface="微軟正黑體" pitchFamily="34" charset="-120"/>
                 <a:ea typeface="微軟正黑體" pitchFamily="34" charset="-120"/>
@@ -3515,7 +3515,7 @@
             </a:r>
             <a:endParaRPr lang="en-US" altLang="zh-TW" sz="5400" b="1" dirty="0" smtClean="0">
               <a:solidFill>
-                <a:srgbClr val="000066"/>
+                <a:srgbClr val="660033"/>
               </a:solidFill>
               <a:latin typeface="微軟正黑體" pitchFamily="34" charset="-120"/>
               <a:ea typeface="微軟正黑體" pitchFamily="34" charset="-120"/>
@@ -3528,7 +3528,7 @@
             <a:r>
               <a:rPr lang="zh-TW" altLang="en-US" sz="5400" b="1" dirty="0" smtClean="0">
                 <a:solidFill>
-                  <a:srgbClr val="000066"/>
+                  <a:srgbClr val="660033"/>
                 </a:solidFill>
                 <a:latin typeface="微軟正黑體" pitchFamily="34" charset="-120"/>
                 <a:ea typeface="微軟正黑體" pitchFamily="34" charset="-120"/>
@@ -3537,7 +3537,7 @@
             </a:r>
             <a:endParaRPr lang="en-US" altLang="zh-TW" sz="5400" b="1" dirty="0" smtClean="0">
               <a:solidFill>
-                <a:srgbClr val="000066"/>
+                <a:srgbClr val="660033"/>
               </a:solidFill>
               <a:latin typeface="微軟正黑體" pitchFamily="34" charset="-120"/>
               <a:ea typeface="微軟正黑體" pitchFamily="34" charset="-120"/>
@@ -3550,7 +3550,7 @@
             <a:r>
               <a:rPr lang="zh-TW" altLang="en-US" sz="5400" b="1" dirty="0" smtClean="0">
                 <a:solidFill>
-                  <a:srgbClr val="000066"/>
+                  <a:srgbClr val="660033"/>
                 </a:solidFill>
                 <a:latin typeface="微軟正黑體" pitchFamily="34" charset="-120"/>
                 <a:ea typeface="微軟正黑體" pitchFamily="34" charset="-120"/>
@@ -3559,7 +3559,7 @@
             </a:r>
             <a:endParaRPr lang="en-US" altLang="zh-TW" sz="5400" b="1" dirty="0" smtClean="0">
               <a:solidFill>
-                <a:srgbClr val="000066"/>
+                <a:srgbClr val="660033"/>
               </a:solidFill>
               <a:latin typeface="微軟正黑體" pitchFamily="34" charset="-120"/>
               <a:ea typeface="微軟正黑體" pitchFamily="34" charset="-120"/>
@@ -3572,7 +3572,7 @@
             <a:r>
               <a:rPr lang="zh-TW" altLang="en-US" sz="5400" b="1" dirty="0" smtClean="0">
                 <a:solidFill>
-                  <a:srgbClr val="000066"/>
+                  <a:srgbClr val="660033"/>
                 </a:solidFill>
                 <a:latin typeface="微軟正黑體" pitchFamily="34" charset="-120"/>
                 <a:ea typeface="微軟正黑體" pitchFamily="34" charset="-120"/>
@@ -3581,7 +3581,7 @@
             </a:r>
             <a:endParaRPr lang="zh-TW" altLang="en-US" sz="5400" b="1" dirty="0">
               <a:solidFill>
-                <a:srgbClr val="000066"/>
+                <a:srgbClr val="660033"/>
               </a:solidFill>
               <a:latin typeface="微軟正黑體" pitchFamily="34" charset="-120"/>
               <a:ea typeface="微軟正黑體" pitchFamily="34" charset="-120"/>
@@ -3639,7 +3639,7 @@
             <a:r>
               <a:rPr lang="zh-CN" altLang="en-US" b="1" dirty="0" smtClean="0">
                 <a:solidFill>
-                  <a:srgbClr val="000066"/>
+                  <a:srgbClr val="660033"/>
                 </a:solidFill>
                 <a:latin typeface="微軟正黑體" pitchFamily="34" charset="-120"/>
                 <a:ea typeface="微軟正黑體" pitchFamily="34" charset="-120"/>
@@ -3648,7 +3648,7 @@
             </a:r>
             <a:endParaRPr lang="zh-TW" altLang="en-US" b="1" dirty="0">
               <a:solidFill>
-                <a:srgbClr val="000066"/>
+                <a:srgbClr val="660033"/>
               </a:solidFill>
               <a:latin typeface="微軟正黑體" pitchFamily="34" charset="-120"/>
               <a:ea typeface="微軟正黑體" pitchFamily="34" charset="-120"/>
@@ -3684,7 +3684,7 @@
             <a:r>
               <a:rPr lang="zh-TW" altLang="en-US" sz="5400" b="1" dirty="0" smtClean="0">
                 <a:solidFill>
-                  <a:srgbClr val="000066"/>
+                  <a:srgbClr val="660033"/>
                 </a:solidFill>
                 <a:latin typeface="微軟正黑體" pitchFamily="34" charset="-120"/>
                 <a:ea typeface="微軟正黑體" pitchFamily="34" charset="-120"/>
@@ -3693,7 +3693,7 @@
             </a:r>
             <a:endParaRPr lang="en-US" altLang="zh-TW" sz="5400" b="1" dirty="0" smtClean="0">
               <a:solidFill>
-                <a:srgbClr val="000066"/>
+                <a:srgbClr val="660033"/>
               </a:solidFill>
               <a:latin typeface="微軟正黑體" pitchFamily="34" charset="-120"/>
               <a:ea typeface="微軟正黑體" pitchFamily="34" charset="-120"/>
@@ -3706,7 +3706,7 @@
             <a:r>
               <a:rPr lang="zh-TW" altLang="en-US" sz="5400" b="1" dirty="0" smtClean="0">
                 <a:solidFill>
-                  <a:srgbClr val="000066"/>
+                  <a:srgbClr val="660033"/>
                 </a:solidFill>
                 <a:latin typeface="微軟正黑體" pitchFamily="34" charset="-120"/>
                 <a:ea typeface="微軟正黑體" pitchFamily="34" charset="-120"/>
@@ -3716,7 +3716,7 @@
             <a:r>
               <a:rPr lang="en-US" altLang="zh-TW" sz="5400" b="1" dirty="0">
                 <a:solidFill>
-                  <a:srgbClr val="000066"/>
+                  <a:srgbClr val="660033"/>
                 </a:solidFill>
                 <a:latin typeface="微軟正黑體" pitchFamily="34" charset="-120"/>
                 <a:ea typeface="微軟正黑體" pitchFamily="34" charset="-120"/>
@@ -3726,7 +3726,7 @@
             <a:r>
               <a:rPr lang="en-US" altLang="zh-TW" sz="5400" b="1" dirty="0" smtClean="0">
                 <a:solidFill>
-                  <a:srgbClr val="000066"/>
+                  <a:srgbClr val="660033"/>
                 </a:solidFill>
                 <a:latin typeface="微軟正黑體" pitchFamily="34" charset="-120"/>
                 <a:ea typeface="微軟正黑體" pitchFamily="34" charset="-120"/>
@@ -3736,7 +3736,7 @@
             <a:r>
               <a:rPr lang="zh-TW" altLang="en-US" sz="5400" b="1" dirty="0" smtClean="0">
                 <a:solidFill>
-                  <a:srgbClr val="000066"/>
+                  <a:srgbClr val="660033"/>
                 </a:solidFill>
                 <a:latin typeface="微軟正黑體" pitchFamily="34" charset="-120"/>
                 <a:ea typeface="微軟正黑體" pitchFamily="34" charset="-120"/>
@@ -3745,7 +3745,7 @@
             </a:r>
             <a:endParaRPr lang="en-US" altLang="zh-TW" sz="5400" b="1" dirty="0" smtClean="0">
               <a:solidFill>
-                <a:srgbClr val="000066"/>
+                <a:srgbClr val="660033"/>
               </a:solidFill>
               <a:latin typeface="微軟正黑體" pitchFamily="34" charset="-120"/>
               <a:ea typeface="微軟正黑體" pitchFamily="34" charset="-120"/>
@@ -3758,7 +3758,7 @@
             <a:r>
               <a:rPr lang="zh-TW" altLang="en-US" sz="5400" b="1" dirty="0" smtClean="0">
                 <a:solidFill>
-                  <a:srgbClr val="000066"/>
+                  <a:srgbClr val="660033"/>
                 </a:solidFill>
                 <a:latin typeface="微軟正黑體" pitchFamily="34" charset="-120"/>
                 <a:ea typeface="微軟正黑體" pitchFamily="34" charset="-120"/>
@@ -3767,7 +3767,7 @@
             </a:r>
             <a:endParaRPr lang="zh-TW" altLang="en-US" sz="5400" b="1" dirty="0">
               <a:solidFill>
-                <a:srgbClr val="000066"/>
+                <a:srgbClr val="660033"/>
               </a:solidFill>
               <a:latin typeface="微軟正黑體" pitchFamily="34" charset="-120"/>
               <a:ea typeface="微軟正黑體" pitchFamily="34" charset="-120"/>
@@ -4086,7 +4086,7 @@
     </p:spTree>
     <p:extLst>
       <p:ext uri="{BB962C8B-B14F-4D97-AF65-F5344CB8AC3E}">
-        <p14:creationId xmlns="" xmlns:p14="http://schemas.microsoft.com/office/powerpoint/2010/main" val="1107474778"/>
+        <p14:creationId xmlns:p14="http://schemas.microsoft.com/office/powerpoint/2010/main" xmlns="" val="1107474778"/>
       </p:ext>
     </p:extLst>
   </p:cSld>
@@ -4269,7 +4269,7 @@
     </p:spTree>
     <p:extLst>
       <p:ext uri="{BB962C8B-B14F-4D97-AF65-F5344CB8AC3E}">
-        <p14:creationId xmlns="" xmlns:p14="http://schemas.microsoft.com/office/powerpoint/2010/main" val="2289785722"/>
+        <p14:creationId xmlns:p14="http://schemas.microsoft.com/office/powerpoint/2010/main" xmlns="" val="2289785722"/>
       </p:ext>
     </p:extLst>
   </p:cSld>
@@ -4430,7 +4430,7 @@
     </p:spTree>
     <p:extLst>
       <p:ext uri="{BB962C8B-B14F-4D97-AF65-F5344CB8AC3E}">
-        <p14:creationId xmlns="" xmlns:p14="http://schemas.microsoft.com/office/powerpoint/2010/main" val="2400791467"/>
+        <p14:creationId xmlns:p14="http://schemas.microsoft.com/office/powerpoint/2010/main" xmlns="" val="2400791467"/>
       </p:ext>
     </p:extLst>
   </p:cSld>
@@ -4613,7 +4613,7 @@
     </p:spTree>
     <p:extLst>
       <p:ext uri="{BB962C8B-B14F-4D97-AF65-F5344CB8AC3E}">
-        <p14:creationId xmlns="" xmlns:p14="http://schemas.microsoft.com/office/powerpoint/2010/main" val="3438290738"/>
+        <p14:creationId xmlns:p14="http://schemas.microsoft.com/office/powerpoint/2010/main" xmlns="" val="3438290738"/>
       </p:ext>
     </p:extLst>
   </p:cSld>
